--- a/poster/sjoerd theory.pptx
+++ b/poster/sjoerd theory.pptx
@@ -7,6 +7,8 @@
   <p:sldIdLst>
     <p:sldId id="256" r:id="rId2"/>
     <p:sldId id="257" r:id="rId3"/>
+    <p:sldId id="258" r:id="rId4"/>
+    <p:sldId id="259" r:id="rId5"/>
   </p:sldIdLst>
   <p:sldSz cx="12192000" cy="6858000"/>
   <p:notesSz cx="6858000" cy="9144000"/>
@@ -105,6 +107,11 @@
       </a:defRPr>
     </a:lvl9pPr>
   </p:defaultTextStyle>
+  <p:extLst>
+    <p:ext uri="{EFAFB233-063F-42B5-8137-9DF3F51BA10A}">
+      <p15:sldGuideLst xmlns:p15="http://schemas.microsoft.com/office/powerpoint/2012/main"/>
+    </p:ext>
+  </p:extLst>
 </p:presentation>
 </file>
 
@@ -255,7 +262,7 @@
           <a:p>
             <a:fld id="{F48B3F8A-F669-460C-979B-78733FAE83D7}" type="datetimeFigureOut">
               <a:rPr lang="nl-NL" smtClean="0"/>
-              <a:t>21-4-2018</a:t>
+              <a:t>22-4-2018</a:t>
             </a:fld>
             <a:endParaRPr lang="nl-NL"/>
           </a:p>
@@ -453,7 +460,7 @@
           <a:p>
             <a:fld id="{F48B3F8A-F669-460C-979B-78733FAE83D7}" type="datetimeFigureOut">
               <a:rPr lang="nl-NL" smtClean="0"/>
-              <a:t>21-4-2018</a:t>
+              <a:t>22-4-2018</a:t>
             </a:fld>
             <a:endParaRPr lang="nl-NL"/>
           </a:p>
@@ -661,7 +668,7 @@
           <a:p>
             <a:fld id="{F48B3F8A-F669-460C-979B-78733FAE83D7}" type="datetimeFigureOut">
               <a:rPr lang="nl-NL" smtClean="0"/>
-              <a:t>21-4-2018</a:t>
+              <a:t>22-4-2018</a:t>
             </a:fld>
             <a:endParaRPr lang="nl-NL"/>
           </a:p>
@@ -859,7 +866,7 @@
           <a:p>
             <a:fld id="{F48B3F8A-F669-460C-979B-78733FAE83D7}" type="datetimeFigureOut">
               <a:rPr lang="nl-NL" smtClean="0"/>
-              <a:t>21-4-2018</a:t>
+              <a:t>22-4-2018</a:t>
             </a:fld>
             <a:endParaRPr lang="nl-NL"/>
           </a:p>
@@ -1134,7 +1141,7 @@
           <a:p>
             <a:fld id="{F48B3F8A-F669-460C-979B-78733FAE83D7}" type="datetimeFigureOut">
               <a:rPr lang="nl-NL" smtClean="0"/>
-              <a:t>21-4-2018</a:t>
+              <a:t>22-4-2018</a:t>
             </a:fld>
             <a:endParaRPr lang="nl-NL"/>
           </a:p>
@@ -1399,7 +1406,7 @@
           <a:p>
             <a:fld id="{F48B3F8A-F669-460C-979B-78733FAE83D7}" type="datetimeFigureOut">
               <a:rPr lang="nl-NL" smtClean="0"/>
-              <a:t>21-4-2018</a:t>
+              <a:t>22-4-2018</a:t>
             </a:fld>
             <a:endParaRPr lang="nl-NL"/>
           </a:p>
@@ -1811,7 +1818,7 @@
           <a:p>
             <a:fld id="{F48B3F8A-F669-460C-979B-78733FAE83D7}" type="datetimeFigureOut">
               <a:rPr lang="nl-NL" smtClean="0"/>
-              <a:t>21-4-2018</a:t>
+              <a:t>22-4-2018</a:t>
             </a:fld>
             <a:endParaRPr lang="nl-NL"/>
           </a:p>
@@ -1952,7 +1959,7 @@
           <a:p>
             <a:fld id="{F48B3F8A-F669-460C-979B-78733FAE83D7}" type="datetimeFigureOut">
               <a:rPr lang="nl-NL" smtClean="0"/>
-              <a:t>21-4-2018</a:t>
+              <a:t>22-4-2018</a:t>
             </a:fld>
             <a:endParaRPr lang="nl-NL"/>
           </a:p>
@@ -2065,7 +2072,7 @@
           <a:p>
             <a:fld id="{F48B3F8A-F669-460C-979B-78733FAE83D7}" type="datetimeFigureOut">
               <a:rPr lang="nl-NL" smtClean="0"/>
-              <a:t>21-4-2018</a:t>
+              <a:t>22-4-2018</a:t>
             </a:fld>
             <a:endParaRPr lang="nl-NL"/>
           </a:p>
@@ -2376,7 +2383,7 @@
           <a:p>
             <a:fld id="{F48B3F8A-F669-460C-979B-78733FAE83D7}" type="datetimeFigureOut">
               <a:rPr lang="nl-NL" smtClean="0"/>
-              <a:t>21-4-2018</a:t>
+              <a:t>22-4-2018</a:t>
             </a:fld>
             <a:endParaRPr lang="nl-NL"/>
           </a:p>
@@ -2664,7 +2671,7 @@
           <a:p>
             <a:fld id="{F48B3F8A-F669-460C-979B-78733FAE83D7}" type="datetimeFigureOut">
               <a:rPr lang="nl-NL" smtClean="0"/>
-              <a:t>21-4-2018</a:t>
+              <a:t>22-4-2018</a:t>
             </a:fld>
             <a:endParaRPr lang="nl-NL"/>
           </a:p>
@@ -2905,7 +2912,7 @@
           <a:p>
             <a:fld id="{F48B3F8A-F669-460C-979B-78733FAE83D7}" type="datetimeFigureOut">
               <a:rPr lang="nl-NL" smtClean="0"/>
-              <a:t>21-4-2018</a:t>
+              <a:t>22-4-2018</a:t>
             </a:fld>
             <a:endParaRPr lang="nl-NL"/>
           </a:p>
@@ -3322,8 +3329,8 @@
           <a:chExt cx="0" cy="0"/>
         </a:xfrm>
       </p:grpSpPr>
-      <mc:AlternateContent xmlns:mc="http://schemas.openxmlformats.org/markup-compatibility/2006">
-        <mc:Choice xmlns:a14="http://schemas.microsoft.com/office/drawing/2010/main" Requires="a14">
+      <mc:AlternateContent xmlns:mc="http://schemas.openxmlformats.org/markup-compatibility/2006" xmlns:a14="http://schemas.microsoft.com/office/drawing/2010/main">
+        <mc:Choice Requires="a14">
           <p:sp>
             <p:nvSpPr>
               <p:cNvPr id="4" name="Tekstvak 3">
@@ -3649,21 +3656,7 @@
                         <a:latin typeface="Cambria Math" panose="02040503050406030204" pitchFamily="18" charset="0"/>
                         <a:ea typeface="Cambria Math" panose="02040503050406030204" pitchFamily="18" charset="0"/>
                       </a:rPr>
-                      <m:t>(</m:t>
-                    </m:r>
-                    <m:r>
-                      <a:rPr lang="nl-NL" sz="1400" b="0" i="1" smtClean="0">
-                        <a:latin typeface="Cambria Math" panose="02040503050406030204" pitchFamily="18" charset="0"/>
-                        <a:ea typeface="Cambria Math" panose="02040503050406030204" pitchFamily="18" charset="0"/>
-                      </a:rPr>
-                      <m:t>0</m:t>
-                    </m:r>
-                    <m:r>
-                      <a:rPr lang="nl-NL" sz="1400" b="0" i="1" smtClean="0">
-                        <a:latin typeface="Cambria Math" panose="02040503050406030204" pitchFamily="18" charset="0"/>
-                        <a:ea typeface="Cambria Math" panose="02040503050406030204" pitchFamily="18" charset="0"/>
-                      </a:rPr>
-                      <m:t>)</m:t>
+                      <m:t>(0)</m:t>
                     </m:r>
                   </m:oMath>
                 </a14:m>
@@ -3759,21 +3752,7 @@
                         <a:latin typeface="Cambria Math" panose="02040503050406030204" pitchFamily="18" charset="0"/>
                         <a:ea typeface="Cambria Math" panose="02040503050406030204" pitchFamily="18" charset="0"/>
                       </a:rPr>
-                      <m:t>(</m:t>
-                    </m:r>
-                    <m:r>
-                      <a:rPr lang="nl-NL" sz="1400" b="0" i="1" smtClean="0">
-                        <a:latin typeface="Cambria Math" panose="02040503050406030204" pitchFamily="18" charset="0"/>
-                        <a:ea typeface="Cambria Math" panose="02040503050406030204" pitchFamily="18" charset="0"/>
-                      </a:rPr>
-                      <m:t>∞</m:t>
-                    </m:r>
-                    <m:r>
-                      <a:rPr lang="nl-NL" sz="1400" b="0" i="1" smtClean="0">
-                        <a:latin typeface="Cambria Math" panose="02040503050406030204" pitchFamily="18" charset="0"/>
-                        <a:ea typeface="Cambria Math" panose="02040503050406030204" pitchFamily="18" charset="0"/>
-                      </a:rPr>
-                      <m:t>)</m:t>
+                      <m:t>(∞)</m:t>
                     </m:r>
                   </m:oMath>
                 </a14:m>
@@ -4278,7 +4257,7 @@
             </p:txBody>
           </p:sp>
         </mc:Choice>
-        <mc:Fallback>
+        <mc:Fallback xmlns="">
           <p:sp>
             <p:nvSpPr>
               <p:cNvPr id="4" name="Tekstvak 3">
@@ -5157,10 +5136,2271 @@
           </p:grpSp>
         </p:grpSp>
       </p:grpSp>
+      <p:sp>
+        <p:nvSpPr>
+          <p:cNvPr id="2" name="Tekstvak 1">
+            <a:extLst>
+              <a:ext uri="{FF2B5EF4-FFF2-40B4-BE49-F238E27FC236}">
+                <a16:creationId xmlns:a16="http://schemas.microsoft.com/office/drawing/2014/main" id="{FE789F14-879B-4F3F-8826-05866DE4366D}"/>
+              </a:ext>
+            </a:extLst>
+          </p:cNvPr>
+          <p:cNvSpPr txBox="1"/>
+          <p:nvPr/>
+        </p:nvSpPr>
+        <p:spPr>
+          <a:xfrm>
+            <a:off x="5710687" y="1000664"/>
+            <a:ext cx="1306704" cy="369332"/>
+          </a:xfrm>
+          <a:prstGeom prst="rect">
+            <a:avLst/>
+          </a:prstGeom>
+          <a:noFill/>
+        </p:spPr>
+        <p:txBody>
+          <a:bodyPr wrap="none" rtlCol="0">
+            <a:spAutoFit/>
+          </a:bodyPr>
+          <a:lstStyle/>
+          <a:p>
+            <a:r>
+              <a:rPr lang="nl-NL" dirty="0"/>
+              <a:t>Oude fitting</a:t>
+            </a:r>
+          </a:p>
+        </p:txBody>
+      </p:sp>
     </p:spTree>
     <p:extLst>
       <p:ext uri="{BB962C8B-B14F-4D97-AF65-F5344CB8AC3E}">
         <p14:creationId xmlns:p14="http://schemas.microsoft.com/office/powerpoint/2010/main" val="2717047317"/>
+      </p:ext>
+    </p:extLst>
+  </p:cSld>
+  <p:clrMapOvr>
+    <a:masterClrMapping/>
+  </p:clrMapOvr>
+</p:sld>
+</file>
+
+<file path=ppt/slides/slide3.xml><?xml version="1.0" encoding="utf-8"?>
+<p:sld xmlns:a="http://schemas.openxmlformats.org/drawingml/2006/main" xmlns:r="http://schemas.openxmlformats.org/officeDocument/2006/relationships" xmlns:p="http://schemas.openxmlformats.org/presentationml/2006/main">
+  <p:cSld>
+    <p:spTree>
+      <p:nvGrpSpPr>
+        <p:cNvPr id="1" name=""/>
+        <p:cNvGrpSpPr/>
+        <p:nvPr/>
+      </p:nvGrpSpPr>
+      <p:grpSpPr>
+        <a:xfrm>
+          <a:off x="0" y="0"/>
+          <a:ext cx="0" cy="0"/>
+          <a:chOff x="0" y="0"/>
+          <a:chExt cx="0" cy="0"/>
+        </a:xfrm>
+      </p:grpSpPr>
+      <p:grpSp>
+        <p:nvGrpSpPr>
+          <p:cNvPr id="18" name="Groep 17">
+            <a:extLst>
+              <a:ext uri="{FF2B5EF4-FFF2-40B4-BE49-F238E27FC236}">
+                <a16:creationId xmlns:a16="http://schemas.microsoft.com/office/drawing/2014/main" id="{102F5D75-0CDD-47CB-A1A0-C76A30E7E6AA}"/>
+              </a:ext>
+            </a:extLst>
+          </p:cNvPr>
+          <p:cNvGrpSpPr/>
+          <p:nvPr/>
+        </p:nvGrpSpPr>
+        <p:grpSpPr>
+          <a:xfrm>
+            <a:off x="2370926" y="1306519"/>
+            <a:ext cx="7291358" cy="3947887"/>
+            <a:chOff x="2215650" y="1806852"/>
+            <a:chExt cx="7291358" cy="3947887"/>
+          </a:xfrm>
+        </p:grpSpPr>
+        <p:grpSp>
+          <p:nvGrpSpPr>
+            <p:cNvPr id="5" name="Groep 4">
+              <a:extLst>
+                <a:ext uri="{FF2B5EF4-FFF2-40B4-BE49-F238E27FC236}">
+                  <a16:creationId xmlns:a16="http://schemas.microsoft.com/office/drawing/2014/main" id="{E68115EC-FC05-40B9-9016-5E7133ADCAC6}"/>
+                </a:ext>
+              </a:extLst>
+            </p:cNvPr>
+            <p:cNvGrpSpPr/>
+            <p:nvPr/>
+          </p:nvGrpSpPr>
+          <p:grpSpPr>
+            <a:xfrm>
+              <a:off x="2684993" y="1806852"/>
+              <a:ext cx="6822015" cy="3244297"/>
+              <a:chOff x="3494617" y="250140"/>
+              <a:chExt cx="6822015" cy="3244297"/>
+            </a:xfrm>
+          </p:grpSpPr>
+          <p:pic>
+            <p:nvPicPr>
+              <p:cNvPr id="2" name="Afbeelding 1">
+                <a:extLst>
+                  <a:ext uri="{FF2B5EF4-FFF2-40B4-BE49-F238E27FC236}">
+                    <a16:creationId xmlns:a16="http://schemas.microsoft.com/office/drawing/2014/main" id="{E8543170-5095-41CF-A93F-B214CD2C8A31}"/>
+                  </a:ext>
+                </a:extLst>
+              </p:cNvPr>
+              <p:cNvPicPr>
+                <a:picLocks noChangeAspect="1"/>
+              </p:cNvPicPr>
+              <p:nvPr/>
+            </p:nvPicPr>
+            <p:blipFill rotWithShape="1">
+              <a:blip r:embed="rId2"/>
+              <a:srcRect b="29990"/>
+              <a:stretch/>
+            </p:blipFill>
+            <p:spPr>
+              <a:xfrm>
+                <a:off x="3494617" y="250140"/>
+                <a:ext cx="6822015" cy="2863996"/>
+              </a:xfrm>
+              <a:prstGeom prst="rect">
+                <a:avLst/>
+              </a:prstGeom>
+            </p:spPr>
+          </p:pic>
+          <p:sp>
+            <p:nvSpPr>
+              <p:cNvPr id="3" name="Tekstvak 2">
+                <a:extLst>
+                  <a:ext uri="{FF2B5EF4-FFF2-40B4-BE49-F238E27FC236}">
+                    <a16:creationId xmlns:a16="http://schemas.microsoft.com/office/drawing/2014/main" id="{C704E5CB-715E-4719-971A-68906C6DDEDF}"/>
+                  </a:ext>
+                </a:extLst>
+              </p:cNvPr>
+              <p:cNvSpPr txBox="1"/>
+              <p:nvPr/>
+            </p:nvSpPr>
+            <p:spPr>
+              <a:xfrm>
+                <a:off x="3905806" y="3155883"/>
+                <a:ext cx="470000" cy="338554"/>
+              </a:xfrm>
+              <a:prstGeom prst="rect">
+                <a:avLst/>
+              </a:prstGeom>
+              <a:noFill/>
+            </p:spPr>
+            <p:txBody>
+              <a:bodyPr wrap="none" rtlCol="0">
+                <a:spAutoFit/>
+              </a:bodyPr>
+              <a:lstStyle/>
+              <a:p>
+                <a:r>
+                  <a:rPr lang="nl-NL" sz="1600" dirty="0">
+                    <a:latin typeface="Arial" panose="020B0604020202020204" pitchFamily="34" charset="0"/>
+                    <a:cs typeface="Arial" panose="020B0604020202020204" pitchFamily="34" charset="0"/>
+                  </a:rPr>
+                  <a:t>0.1</a:t>
+                </a:r>
+              </a:p>
+            </p:txBody>
+          </p:sp>
+          <p:sp>
+            <p:nvSpPr>
+              <p:cNvPr id="28" name="Tekstvak 27">
+                <a:extLst>
+                  <a:ext uri="{FF2B5EF4-FFF2-40B4-BE49-F238E27FC236}">
+                    <a16:creationId xmlns:a16="http://schemas.microsoft.com/office/drawing/2014/main" id="{4FC238E7-00E4-48E7-BB5A-11BA822ACF84}"/>
+                  </a:ext>
+                </a:extLst>
+              </p:cNvPr>
+              <p:cNvSpPr txBox="1"/>
+              <p:nvPr/>
+            </p:nvSpPr>
+            <p:spPr>
+              <a:xfrm>
+                <a:off x="4838768" y="3155883"/>
+                <a:ext cx="298480" cy="338554"/>
+              </a:xfrm>
+              <a:prstGeom prst="rect">
+                <a:avLst/>
+              </a:prstGeom>
+              <a:noFill/>
+            </p:spPr>
+            <p:txBody>
+              <a:bodyPr wrap="none" rtlCol="0">
+                <a:spAutoFit/>
+              </a:bodyPr>
+              <a:lstStyle/>
+              <a:p>
+                <a:r>
+                  <a:rPr lang="nl-NL" sz="1600" dirty="0">
+                    <a:latin typeface="Arial" panose="020B0604020202020204" pitchFamily="34" charset="0"/>
+                    <a:cs typeface="Arial" panose="020B0604020202020204" pitchFamily="34" charset="0"/>
+                  </a:rPr>
+                  <a:t>1</a:t>
+                </a:r>
+                <a:endParaRPr lang="nl-NL" sz="1600" baseline="30000" dirty="0">
+                  <a:latin typeface="Arial" panose="020B0604020202020204" pitchFamily="34" charset="0"/>
+                  <a:cs typeface="Arial" panose="020B0604020202020204" pitchFamily="34" charset="0"/>
+                </a:endParaRPr>
+              </a:p>
+            </p:txBody>
+          </p:sp>
+          <p:sp>
+            <p:nvSpPr>
+              <p:cNvPr id="29" name="Tekstvak 28">
+                <a:extLst>
+                  <a:ext uri="{FF2B5EF4-FFF2-40B4-BE49-F238E27FC236}">
+                    <a16:creationId xmlns:a16="http://schemas.microsoft.com/office/drawing/2014/main" id="{1DCD742D-3F68-46C3-9D52-F5DB2F80EEE0}"/>
+                  </a:ext>
+                </a:extLst>
+              </p:cNvPr>
+              <p:cNvSpPr txBox="1"/>
+              <p:nvPr/>
+            </p:nvSpPr>
+            <p:spPr>
+              <a:xfrm>
+                <a:off x="5611522" y="3155883"/>
+                <a:ext cx="412292" cy="338554"/>
+              </a:xfrm>
+              <a:prstGeom prst="rect">
+                <a:avLst/>
+              </a:prstGeom>
+              <a:noFill/>
+            </p:spPr>
+            <p:txBody>
+              <a:bodyPr wrap="none" rtlCol="0">
+                <a:spAutoFit/>
+              </a:bodyPr>
+              <a:lstStyle/>
+              <a:p>
+                <a:r>
+                  <a:rPr lang="nl-NL" sz="1600" dirty="0">
+                    <a:latin typeface="Arial" panose="020B0604020202020204" pitchFamily="34" charset="0"/>
+                    <a:cs typeface="Arial" panose="020B0604020202020204" pitchFamily="34" charset="0"/>
+                  </a:rPr>
+                  <a:t>10</a:t>
+                </a:r>
+                <a:endParaRPr lang="nl-NL" sz="1600" baseline="30000" dirty="0">
+                  <a:latin typeface="Arial" panose="020B0604020202020204" pitchFamily="34" charset="0"/>
+                  <a:cs typeface="Arial" panose="020B0604020202020204" pitchFamily="34" charset="0"/>
+                </a:endParaRPr>
+              </a:p>
+            </p:txBody>
+          </p:sp>
+          <p:sp>
+            <p:nvSpPr>
+              <p:cNvPr id="31" name="Tekstvak 30">
+                <a:extLst>
+                  <a:ext uri="{FF2B5EF4-FFF2-40B4-BE49-F238E27FC236}">
+                    <a16:creationId xmlns:a16="http://schemas.microsoft.com/office/drawing/2014/main" id="{0E809666-D165-4557-BC1D-AA0CE9C33695}"/>
+                  </a:ext>
+                </a:extLst>
+              </p:cNvPr>
+              <p:cNvSpPr txBox="1"/>
+              <p:nvPr/>
+            </p:nvSpPr>
+            <p:spPr>
+              <a:xfrm>
+                <a:off x="6404434" y="3154290"/>
+                <a:ext cx="487634" cy="338554"/>
+              </a:xfrm>
+              <a:prstGeom prst="rect">
+                <a:avLst/>
+              </a:prstGeom>
+              <a:noFill/>
+            </p:spPr>
+            <p:txBody>
+              <a:bodyPr wrap="none" rtlCol="0">
+                <a:spAutoFit/>
+              </a:bodyPr>
+              <a:lstStyle/>
+              <a:p>
+                <a:r>
+                  <a:rPr lang="nl-NL" sz="1600" dirty="0">
+                    <a:latin typeface="Arial" panose="020B0604020202020204" pitchFamily="34" charset="0"/>
+                    <a:cs typeface="Arial" panose="020B0604020202020204" pitchFamily="34" charset="0"/>
+                  </a:rPr>
+                  <a:t>10</a:t>
+                </a:r>
+                <a:r>
+                  <a:rPr lang="nl-NL" sz="1600" baseline="30000" dirty="0">
+                    <a:latin typeface="Arial" panose="020B0604020202020204" pitchFamily="34" charset="0"/>
+                    <a:cs typeface="Arial" panose="020B0604020202020204" pitchFamily="34" charset="0"/>
+                  </a:rPr>
+                  <a:t>2</a:t>
+                </a:r>
+              </a:p>
+            </p:txBody>
+          </p:sp>
+          <p:sp>
+            <p:nvSpPr>
+              <p:cNvPr id="32" name="Tekstvak 31">
+                <a:extLst>
+                  <a:ext uri="{FF2B5EF4-FFF2-40B4-BE49-F238E27FC236}">
+                    <a16:creationId xmlns:a16="http://schemas.microsoft.com/office/drawing/2014/main" id="{96543CB5-9F27-48E8-A6DF-75868B1E4B22}"/>
+                  </a:ext>
+                </a:extLst>
+              </p:cNvPr>
+              <p:cNvSpPr txBox="1"/>
+              <p:nvPr/>
+            </p:nvSpPr>
+            <p:spPr>
+              <a:xfrm>
+                <a:off x="7247456" y="3154290"/>
+                <a:ext cx="487634" cy="338554"/>
+              </a:xfrm>
+              <a:prstGeom prst="rect">
+                <a:avLst/>
+              </a:prstGeom>
+              <a:noFill/>
+            </p:spPr>
+            <p:txBody>
+              <a:bodyPr wrap="none" rtlCol="0">
+                <a:spAutoFit/>
+              </a:bodyPr>
+              <a:lstStyle/>
+              <a:p>
+                <a:r>
+                  <a:rPr lang="nl-NL" sz="1600" dirty="0">
+                    <a:latin typeface="Arial" panose="020B0604020202020204" pitchFamily="34" charset="0"/>
+                    <a:cs typeface="Arial" panose="020B0604020202020204" pitchFamily="34" charset="0"/>
+                  </a:rPr>
+                  <a:t>10</a:t>
+                </a:r>
+                <a:r>
+                  <a:rPr lang="nl-NL" sz="1600" baseline="30000" dirty="0">
+                    <a:latin typeface="Arial" panose="020B0604020202020204" pitchFamily="34" charset="0"/>
+                    <a:cs typeface="Arial" panose="020B0604020202020204" pitchFamily="34" charset="0"/>
+                  </a:rPr>
+                  <a:t>3</a:t>
+                </a:r>
+              </a:p>
+            </p:txBody>
+          </p:sp>
+          <p:sp>
+            <p:nvSpPr>
+              <p:cNvPr id="33" name="Tekstvak 32">
+                <a:extLst>
+                  <a:ext uri="{FF2B5EF4-FFF2-40B4-BE49-F238E27FC236}">
+                    <a16:creationId xmlns:a16="http://schemas.microsoft.com/office/drawing/2014/main" id="{15AB013D-6654-454E-8F88-B26C4D6F2CED}"/>
+                  </a:ext>
+                </a:extLst>
+              </p:cNvPr>
+              <p:cNvSpPr txBox="1"/>
+              <p:nvPr/>
+            </p:nvSpPr>
+            <p:spPr>
+              <a:xfrm>
+                <a:off x="8090478" y="3154290"/>
+                <a:ext cx="487634" cy="338554"/>
+              </a:xfrm>
+              <a:prstGeom prst="rect">
+                <a:avLst/>
+              </a:prstGeom>
+              <a:noFill/>
+            </p:spPr>
+            <p:txBody>
+              <a:bodyPr wrap="none" rtlCol="0">
+                <a:spAutoFit/>
+              </a:bodyPr>
+              <a:lstStyle/>
+              <a:p>
+                <a:r>
+                  <a:rPr lang="nl-NL" sz="1600" dirty="0">
+                    <a:latin typeface="Arial" panose="020B0604020202020204" pitchFamily="34" charset="0"/>
+                    <a:cs typeface="Arial" panose="020B0604020202020204" pitchFamily="34" charset="0"/>
+                  </a:rPr>
+                  <a:t>10</a:t>
+                </a:r>
+                <a:r>
+                  <a:rPr lang="nl-NL" sz="1600" baseline="30000" dirty="0">
+                    <a:latin typeface="Arial" panose="020B0604020202020204" pitchFamily="34" charset="0"/>
+                    <a:cs typeface="Arial" panose="020B0604020202020204" pitchFamily="34" charset="0"/>
+                  </a:rPr>
+                  <a:t>4</a:t>
+                </a:r>
+              </a:p>
+            </p:txBody>
+          </p:sp>
+          <p:sp>
+            <p:nvSpPr>
+              <p:cNvPr id="34" name="Tekstvak 33">
+                <a:extLst>
+                  <a:ext uri="{FF2B5EF4-FFF2-40B4-BE49-F238E27FC236}">
+                    <a16:creationId xmlns:a16="http://schemas.microsoft.com/office/drawing/2014/main" id="{613F4660-DBC9-468B-969D-720C8817FDA1}"/>
+                  </a:ext>
+                </a:extLst>
+              </p:cNvPr>
+              <p:cNvSpPr txBox="1"/>
+              <p:nvPr/>
+            </p:nvSpPr>
+            <p:spPr>
+              <a:xfrm>
+                <a:off x="8834566" y="3155307"/>
+                <a:ext cx="487634" cy="338554"/>
+              </a:xfrm>
+              <a:prstGeom prst="rect">
+                <a:avLst/>
+              </a:prstGeom>
+              <a:noFill/>
+            </p:spPr>
+            <p:txBody>
+              <a:bodyPr wrap="none" rtlCol="0">
+                <a:spAutoFit/>
+              </a:bodyPr>
+              <a:lstStyle/>
+              <a:p>
+                <a:r>
+                  <a:rPr lang="nl-NL" sz="1600" dirty="0">
+                    <a:latin typeface="Arial" panose="020B0604020202020204" pitchFamily="34" charset="0"/>
+                    <a:cs typeface="Arial" panose="020B0604020202020204" pitchFamily="34" charset="0"/>
+                  </a:rPr>
+                  <a:t>10</a:t>
+                </a:r>
+                <a:r>
+                  <a:rPr lang="nl-NL" sz="1600" baseline="30000" dirty="0">
+                    <a:latin typeface="Arial" panose="020B0604020202020204" pitchFamily="34" charset="0"/>
+                    <a:cs typeface="Arial" panose="020B0604020202020204" pitchFamily="34" charset="0"/>
+                  </a:rPr>
+                  <a:t>5</a:t>
+                </a:r>
+              </a:p>
+            </p:txBody>
+          </p:sp>
+          <p:sp>
+            <p:nvSpPr>
+              <p:cNvPr id="35" name="Tekstvak 34">
+                <a:extLst>
+                  <a:ext uri="{FF2B5EF4-FFF2-40B4-BE49-F238E27FC236}">
+                    <a16:creationId xmlns:a16="http://schemas.microsoft.com/office/drawing/2014/main" id="{0F5BD60B-1D93-4C57-817E-3E4DD6F13C7D}"/>
+                  </a:ext>
+                </a:extLst>
+              </p:cNvPr>
+              <p:cNvSpPr txBox="1"/>
+              <p:nvPr/>
+            </p:nvSpPr>
+            <p:spPr>
+              <a:xfrm>
+                <a:off x="9677588" y="3154290"/>
+                <a:ext cx="487634" cy="338554"/>
+              </a:xfrm>
+              <a:prstGeom prst="rect">
+                <a:avLst/>
+              </a:prstGeom>
+              <a:noFill/>
+            </p:spPr>
+            <p:txBody>
+              <a:bodyPr wrap="none" rtlCol="0">
+                <a:spAutoFit/>
+              </a:bodyPr>
+              <a:lstStyle/>
+              <a:p>
+                <a:r>
+                  <a:rPr lang="nl-NL" sz="1600" dirty="0">
+                    <a:latin typeface="Arial" panose="020B0604020202020204" pitchFamily="34" charset="0"/>
+                    <a:cs typeface="Arial" panose="020B0604020202020204" pitchFamily="34" charset="0"/>
+                  </a:rPr>
+                  <a:t>10</a:t>
+                </a:r>
+                <a:r>
+                  <a:rPr lang="nl-NL" sz="1600" baseline="30000" dirty="0">
+                    <a:latin typeface="Arial" panose="020B0604020202020204" pitchFamily="34" charset="0"/>
+                    <a:cs typeface="Arial" panose="020B0604020202020204" pitchFamily="34" charset="0"/>
+                  </a:rPr>
+                  <a:t>6</a:t>
+                </a:r>
+              </a:p>
+            </p:txBody>
+          </p:sp>
+        </p:grpSp>
+        <p:pic>
+          <p:nvPicPr>
+            <p:cNvPr id="6" name="Afbeelding 5" descr="https://latex.codecogs.com/gif.latex?%5Cdpi%7B300%7D%20%5CLARGE%20%5Cfrac%7B%5Cgamma%280%29%20-%20%5Cgamma%28t%29%7D%7B%5Cgamma%280%29%20-%20%5Cgamma%28%5Cinfty%29%7D">
+              <a:extLst>
+                <a:ext uri="{FF2B5EF4-FFF2-40B4-BE49-F238E27FC236}">
+                  <a16:creationId xmlns:a16="http://schemas.microsoft.com/office/drawing/2014/main" id="{C542E4BB-9865-4F90-AE32-00D106D8C997}"/>
+                </a:ext>
+              </a:extLst>
+            </p:cNvPr>
+            <p:cNvPicPr>
+              <a:picLocks noChangeAspect="1" noChangeArrowheads="1"/>
+            </p:cNvPicPr>
+            <p:nvPr/>
+          </p:nvPicPr>
+          <p:blipFill>
+            <a:blip r:embed="rId3" cstate="print">
+              <a:extLst>
+                <a:ext uri="{28A0092B-C50C-407E-A947-70E740481C1C}">
+                  <a14:useLocalDpi xmlns:a14="http://schemas.microsoft.com/office/drawing/2010/main" val="0"/>
+                </a:ext>
+              </a:extLst>
+            </a:blip>
+            <a:srcRect/>
+            <a:stretch>
+              <a:fillRect/>
+            </a:stretch>
+          </p:blipFill>
+          <p:spPr bwMode="auto">
+            <a:xfrm rot="16200000">
+              <a:off x="1928720" y="3004179"/>
+              <a:ext cx="1043202" cy="469342"/>
+            </a:xfrm>
+            <a:prstGeom prst="rect">
+              <a:avLst/>
+            </a:prstGeom>
+            <a:noFill/>
+            <a:extLst>
+              <a:ext uri="{909E8E84-426E-40DD-AFC4-6F175D3DCCD1}">
+                <a14:hiddenFill xmlns:a14="http://schemas.microsoft.com/office/drawing/2010/main">
+                  <a:solidFill>
+                    <a:srgbClr val="FFFFFF"/>
+                  </a:solidFill>
+                </a14:hiddenFill>
+              </a:ext>
+            </a:extLst>
+          </p:spPr>
+        </p:pic>
+        <p:grpSp>
+          <p:nvGrpSpPr>
+            <p:cNvPr id="17" name="Groep 16">
+              <a:extLst>
+                <a:ext uri="{FF2B5EF4-FFF2-40B4-BE49-F238E27FC236}">
+                  <a16:creationId xmlns:a16="http://schemas.microsoft.com/office/drawing/2014/main" id="{FCF684B7-3CAA-413D-8091-899AD0655ECF}"/>
+                </a:ext>
+              </a:extLst>
+            </p:cNvPr>
+            <p:cNvGrpSpPr/>
+            <p:nvPr/>
+          </p:nvGrpSpPr>
+          <p:grpSpPr>
+            <a:xfrm>
+              <a:off x="4288885" y="5089710"/>
+              <a:ext cx="3587118" cy="665029"/>
+              <a:chOff x="4181370" y="5089710"/>
+              <a:chExt cx="3587118" cy="665029"/>
+            </a:xfrm>
+          </p:grpSpPr>
+          <p:pic>
+            <p:nvPicPr>
+              <p:cNvPr id="7" name="Afbeelding 6" descr="https://latex.codecogs.com/gif.latex?%5Cdpi%7B300%7D%20%5CLARGE%20t%20%5Ccdot%20c%5E2%20%5C%3B%20%5B%5Ctext%7Bsg%7D%5E2/%5Ctext%7BL%7D%5E%7B2%7D%5D">
+                <a:extLst>
+                  <a:ext uri="{FF2B5EF4-FFF2-40B4-BE49-F238E27FC236}">
+                    <a16:creationId xmlns:a16="http://schemas.microsoft.com/office/drawing/2014/main" id="{2EC20347-0599-4665-95E6-EF77E2A21FA9}"/>
+                  </a:ext>
+                </a:extLst>
+              </p:cNvPr>
+              <p:cNvPicPr>
+                <a:picLocks noChangeAspect="1" noChangeArrowheads="1"/>
+              </p:cNvPicPr>
+              <p:nvPr/>
+            </p:nvPicPr>
+            <p:blipFill>
+              <a:blip r:embed="rId4">
+                <a:extLst>
+                  <a:ext uri="{28A0092B-C50C-407E-A947-70E740481C1C}">
+                    <a14:useLocalDpi xmlns:a14="http://schemas.microsoft.com/office/drawing/2010/main" val="0"/>
+                  </a:ext>
+                </a:extLst>
+              </a:blip>
+              <a:srcRect/>
+              <a:stretch>
+                <a:fillRect/>
+              </a:stretch>
+            </p:blipFill>
+            <p:spPr bwMode="auto">
+              <a:xfrm>
+                <a:off x="5409999" y="5089710"/>
+                <a:ext cx="1129860" cy="246935"/>
+              </a:xfrm>
+              <a:prstGeom prst="rect">
+                <a:avLst/>
+              </a:prstGeom>
+              <a:noFill/>
+              <a:extLst>
+                <a:ext uri="{909E8E84-426E-40DD-AFC4-6F175D3DCCD1}">
+                  <a14:hiddenFill xmlns:a14="http://schemas.microsoft.com/office/drawing/2010/main">
+                    <a:solidFill>
+                      <a:srgbClr val="FFFFFF"/>
+                    </a:solidFill>
+                  </a14:hiddenFill>
+                </a:ext>
+              </a:extLst>
+            </p:spPr>
+          </p:pic>
+          <p:grpSp>
+            <p:nvGrpSpPr>
+              <p:cNvPr id="23" name="Groep 22">
+                <a:extLst>
+                  <a:ext uri="{FF2B5EF4-FFF2-40B4-BE49-F238E27FC236}">
+                    <a16:creationId xmlns:a16="http://schemas.microsoft.com/office/drawing/2014/main" id="{04C69006-1085-43EB-829C-2DE9E26EEE53}"/>
+                  </a:ext>
+                </a:extLst>
+              </p:cNvPr>
+              <p:cNvGrpSpPr/>
+              <p:nvPr/>
+            </p:nvGrpSpPr>
+            <p:grpSpPr>
+              <a:xfrm>
+                <a:off x="4181370" y="5446962"/>
+                <a:ext cx="3587118" cy="307777"/>
+                <a:chOff x="3784121" y="5657439"/>
+                <a:chExt cx="3587118" cy="307777"/>
+              </a:xfrm>
+            </p:grpSpPr>
+            <p:grpSp>
+              <p:nvGrpSpPr>
+                <p:cNvPr id="10" name="Groep 9">
+                  <a:extLst>
+                    <a:ext uri="{FF2B5EF4-FFF2-40B4-BE49-F238E27FC236}">
+                      <a16:creationId xmlns:a16="http://schemas.microsoft.com/office/drawing/2014/main" id="{7F9FBC6A-301C-42B1-8B70-A6305718985A}"/>
+                    </a:ext>
+                  </a:extLst>
+                </p:cNvPr>
+                <p:cNvGrpSpPr/>
+                <p:nvPr/>
+              </p:nvGrpSpPr>
+              <p:grpSpPr>
+                <a:xfrm>
+                  <a:off x="5660769" y="5657439"/>
+                  <a:ext cx="834807" cy="307777"/>
+                  <a:chOff x="3631721" y="5505039"/>
+                  <a:chExt cx="834807" cy="307777"/>
+                </a:xfrm>
+              </p:grpSpPr>
+              <p:sp>
+                <p:nvSpPr>
+                  <p:cNvPr id="8" name="Ovaal 7">
+                    <a:extLst>
+                      <a:ext uri="{FF2B5EF4-FFF2-40B4-BE49-F238E27FC236}">
+                        <a16:creationId xmlns:a16="http://schemas.microsoft.com/office/drawing/2014/main" id="{21D71338-245C-4011-8393-99153A030423}"/>
+                      </a:ext>
+                    </a:extLst>
+                  </p:cNvPr>
+                  <p:cNvSpPr/>
+                  <p:nvPr/>
+                </p:nvSpPr>
+                <p:spPr>
+                  <a:xfrm>
+                    <a:off x="3631721" y="5607170"/>
+                    <a:ext cx="103517" cy="103517"/>
+                  </a:xfrm>
+                  <a:prstGeom prst="ellipse">
+                    <a:avLst/>
+                  </a:prstGeom>
+                  <a:solidFill>
+                    <a:srgbClr val="FDCC02"/>
+                  </a:solidFill>
+                  <a:ln>
+                    <a:solidFill>
+                      <a:srgbClr val="FDCC02"/>
+                    </a:solidFill>
+                  </a:ln>
+                </p:spPr>
+                <p:style>
+                  <a:lnRef idx="2">
+                    <a:schemeClr val="accent1">
+                      <a:shade val="50000"/>
+                    </a:schemeClr>
+                  </a:lnRef>
+                  <a:fillRef idx="1">
+                    <a:schemeClr val="accent1"/>
+                  </a:fillRef>
+                  <a:effectRef idx="0">
+                    <a:schemeClr val="accent1"/>
+                  </a:effectRef>
+                  <a:fontRef idx="minor">
+                    <a:schemeClr val="lt1"/>
+                  </a:fontRef>
+                </p:style>
+                <p:txBody>
+                  <a:bodyPr rtlCol="0" anchor="ctr"/>
+                  <a:lstStyle/>
+                  <a:p>
+                    <a:pPr algn="ctr"/>
+                    <a:endParaRPr lang="nl-NL"/>
+                  </a:p>
+                </p:txBody>
+              </p:sp>
+              <p:sp>
+                <p:nvSpPr>
+                  <p:cNvPr id="9" name="Tekstvak 8">
+                    <a:extLst>
+                      <a:ext uri="{FF2B5EF4-FFF2-40B4-BE49-F238E27FC236}">
+                        <a16:creationId xmlns:a16="http://schemas.microsoft.com/office/drawing/2014/main" id="{D44E6708-F359-48D9-AD8C-DD72AC141B96}"/>
+                      </a:ext>
+                    </a:extLst>
+                  </p:cNvPr>
+                  <p:cNvSpPr txBox="1"/>
+                  <p:nvPr/>
+                </p:nvSpPr>
+                <p:spPr>
+                  <a:xfrm>
+                    <a:off x="3735238" y="5505039"/>
+                    <a:ext cx="731290" cy="307777"/>
+                  </a:xfrm>
+                  <a:prstGeom prst="rect">
+                    <a:avLst/>
+                  </a:prstGeom>
+                  <a:noFill/>
+                </p:spPr>
+                <p:txBody>
+                  <a:bodyPr wrap="none" rtlCol="0">
+                    <a:spAutoFit/>
+                  </a:bodyPr>
+                  <a:lstStyle/>
+                  <a:p>
+                    <a:r>
+                      <a:rPr lang="nl-NL" sz="1400" dirty="0">
+                        <a:latin typeface="Arial" panose="020B0604020202020204" pitchFamily="34" charset="0"/>
+                        <a:ea typeface="Verdana" panose="020B0604030504040204" pitchFamily="34" charset="0"/>
+                        <a:cs typeface="Arial" panose="020B0604020202020204" pitchFamily="34" charset="0"/>
+                      </a:rPr>
+                      <a:t>2.5 g/L</a:t>
+                    </a:r>
+                  </a:p>
+                </p:txBody>
+              </p:sp>
+            </p:grpSp>
+            <p:grpSp>
+              <p:nvGrpSpPr>
+                <p:cNvPr id="11" name="Groep 10">
+                  <a:extLst>
+                    <a:ext uri="{FF2B5EF4-FFF2-40B4-BE49-F238E27FC236}">
+                      <a16:creationId xmlns:a16="http://schemas.microsoft.com/office/drawing/2014/main" id="{1F52DA72-FE4D-4EF3-9291-879A43110468}"/>
+                    </a:ext>
+                  </a:extLst>
+                </p:cNvPr>
+                <p:cNvGrpSpPr/>
+                <p:nvPr/>
+              </p:nvGrpSpPr>
+              <p:grpSpPr>
+                <a:xfrm>
+                  <a:off x="4722445" y="5657439"/>
+                  <a:ext cx="834807" cy="307777"/>
+                  <a:chOff x="3631721" y="5505039"/>
+                  <a:chExt cx="834807" cy="307777"/>
+                </a:xfrm>
+              </p:grpSpPr>
+              <p:sp>
+                <p:nvSpPr>
+                  <p:cNvPr id="12" name="Ovaal 11">
+                    <a:extLst>
+                      <a:ext uri="{FF2B5EF4-FFF2-40B4-BE49-F238E27FC236}">
+                        <a16:creationId xmlns:a16="http://schemas.microsoft.com/office/drawing/2014/main" id="{F43A4B6A-4EA4-4751-9612-196DE3D53D3D}"/>
+                      </a:ext>
+                    </a:extLst>
+                  </p:cNvPr>
+                  <p:cNvSpPr/>
+                  <p:nvPr/>
+                </p:nvSpPr>
+                <p:spPr>
+                  <a:xfrm>
+                    <a:off x="3631721" y="5607170"/>
+                    <a:ext cx="103517" cy="103517"/>
+                  </a:xfrm>
+                  <a:prstGeom prst="ellipse">
+                    <a:avLst/>
+                  </a:prstGeom>
+                  <a:solidFill>
+                    <a:srgbClr val="FF0606"/>
+                  </a:solidFill>
+                  <a:ln>
+                    <a:solidFill>
+                      <a:srgbClr val="FF0606"/>
+                    </a:solidFill>
+                  </a:ln>
+                </p:spPr>
+                <p:style>
+                  <a:lnRef idx="2">
+                    <a:schemeClr val="accent1">
+                      <a:shade val="50000"/>
+                    </a:schemeClr>
+                  </a:lnRef>
+                  <a:fillRef idx="1">
+                    <a:schemeClr val="accent1"/>
+                  </a:fillRef>
+                  <a:effectRef idx="0">
+                    <a:schemeClr val="accent1"/>
+                  </a:effectRef>
+                  <a:fontRef idx="minor">
+                    <a:schemeClr val="lt1"/>
+                  </a:fontRef>
+                </p:style>
+                <p:txBody>
+                  <a:bodyPr rtlCol="0" anchor="ctr"/>
+                  <a:lstStyle/>
+                  <a:p>
+                    <a:pPr algn="ctr"/>
+                    <a:endParaRPr lang="nl-NL"/>
+                  </a:p>
+                </p:txBody>
+              </p:sp>
+              <p:sp>
+                <p:nvSpPr>
+                  <p:cNvPr id="13" name="Tekstvak 12">
+                    <a:extLst>
+                      <a:ext uri="{FF2B5EF4-FFF2-40B4-BE49-F238E27FC236}">
+                        <a16:creationId xmlns:a16="http://schemas.microsoft.com/office/drawing/2014/main" id="{AB380355-AA47-47E4-85EC-C1C1973544AA}"/>
+                      </a:ext>
+                    </a:extLst>
+                  </p:cNvPr>
+                  <p:cNvSpPr txBox="1"/>
+                  <p:nvPr/>
+                </p:nvSpPr>
+                <p:spPr>
+                  <a:xfrm>
+                    <a:off x="3735238" y="5505039"/>
+                    <a:ext cx="731290" cy="307777"/>
+                  </a:xfrm>
+                  <a:prstGeom prst="rect">
+                    <a:avLst/>
+                  </a:prstGeom>
+                  <a:noFill/>
+                </p:spPr>
+                <p:txBody>
+                  <a:bodyPr wrap="none" rtlCol="0">
+                    <a:spAutoFit/>
+                  </a:bodyPr>
+                  <a:lstStyle/>
+                  <a:p>
+                    <a:r>
+                      <a:rPr lang="nl-NL" sz="1400" dirty="0">
+                        <a:latin typeface="Arial" panose="020B0604020202020204" pitchFamily="34" charset="0"/>
+                        <a:ea typeface="Verdana" panose="020B0604030504040204" pitchFamily="34" charset="0"/>
+                        <a:cs typeface="Arial" panose="020B0604020202020204" pitchFamily="34" charset="0"/>
+                      </a:rPr>
+                      <a:t>1.0 g/L</a:t>
+                    </a:r>
+                  </a:p>
+                </p:txBody>
+              </p:sp>
+            </p:grpSp>
+            <p:grpSp>
+              <p:nvGrpSpPr>
+                <p:cNvPr id="14" name="Groep 13">
+                  <a:extLst>
+                    <a:ext uri="{FF2B5EF4-FFF2-40B4-BE49-F238E27FC236}">
+                      <a16:creationId xmlns:a16="http://schemas.microsoft.com/office/drawing/2014/main" id="{E9F63ACE-CFBE-4F41-B2B4-AA4CE10737EE}"/>
+                    </a:ext>
+                  </a:extLst>
+                </p:cNvPr>
+                <p:cNvGrpSpPr/>
+                <p:nvPr/>
+              </p:nvGrpSpPr>
+              <p:grpSpPr>
+                <a:xfrm>
+                  <a:off x="3784121" y="5657439"/>
+                  <a:ext cx="834807" cy="307777"/>
+                  <a:chOff x="3631721" y="5505039"/>
+                  <a:chExt cx="834807" cy="307777"/>
+                </a:xfrm>
+              </p:grpSpPr>
+              <p:sp>
+                <p:nvSpPr>
+                  <p:cNvPr id="15" name="Ovaal 14">
+                    <a:extLst>
+                      <a:ext uri="{FF2B5EF4-FFF2-40B4-BE49-F238E27FC236}">
+                        <a16:creationId xmlns:a16="http://schemas.microsoft.com/office/drawing/2014/main" id="{13D42F20-ED83-45EC-BEF7-98665C2A0CC0}"/>
+                      </a:ext>
+                    </a:extLst>
+                  </p:cNvPr>
+                  <p:cNvSpPr/>
+                  <p:nvPr/>
+                </p:nvSpPr>
+                <p:spPr>
+                  <a:xfrm>
+                    <a:off x="3631721" y="5607170"/>
+                    <a:ext cx="103517" cy="103517"/>
+                  </a:xfrm>
+                  <a:prstGeom prst="ellipse">
+                    <a:avLst/>
+                  </a:prstGeom>
+                  <a:solidFill>
+                    <a:srgbClr val="0606FF"/>
+                  </a:solidFill>
+                  <a:ln>
+                    <a:solidFill>
+                      <a:srgbClr val="0606FF"/>
+                    </a:solidFill>
+                  </a:ln>
+                </p:spPr>
+                <p:style>
+                  <a:lnRef idx="2">
+                    <a:schemeClr val="accent1">
+                      <a:shade val="50000"/>
+                    </a:schemeClr>
+                  </a:lnRef>
+                  <a:fillRef idx="1">
+                    <a:schemeClr val="accent1"/>
+                  </a:fillRef>
+                  <a:effectRef idx="0">
+                    <a:schemeClr val="accent1"/>
+                  </a:effectRef>
+                  <a:fontRef idx="minor">
+                    <a:schemeClr val="lt1"/>
+                  </a:fontRef>
+                </p:style>
+                <p:txBody>
+                  <a:bodyPr rtlCol="0" anchor="ctr"/>
+                  <a:lstStyle/>
+                  <a:p>
+                    <a:pPr algn="ctr"/>
+                    <a:endParaRPr lang="nl-NL"/>
+                  </a:p>
+                </p:txBody>
+              </p:sp>
+              <p:sp>
+                <p:nvSpPr>
+                  <p:cNvPr id="16" name="Tekstvak 15">
+                    <a:extLst>
+                      <a:ext uri="{FF2B5EF4-FFF2-40B4-BE49-F238E27FC236}">
+                        <a16:creationId xmlns:a16="http://schemas.microsoft.com/office/drawing/2014/main" id="{EF0AF73D-C19F-455D-8D00-EBFD8659497E}"/>
+                      </a:ext>
+                    </a:extLst>
+                  </p:cNvPr>
+                  <p:cNvSpPr txBox="1"/>
+                  <p:nvPr/>
+                </p:nvSpPr>
+                <p:spPr>
+                  <a:xfrm>
+                    <a:off x="3735238" y="5505039"/>
+                    <a:ext cx="731290" cy="307777"/>
+                  </a:xfrm>
+                  <a:prstGeom prst="rect">
+                    <a:avLst/>
+                  </a:prstGeom>
+                  <a:noFill/>
+                </p:spPr>
+                <p:txBody>
+                  <a:bodyPr wrap="none" rtlCol="0">
+                    <a:spAutoFit/>
+                  </a:bodyPr>
+                  <a:lstStyle/>
+                  <a:p>
+                    <a:r>
+                      <a:rPr lang="nl-NL" sz="1400" dirty="0">
+                        <a:latin typeface="Arial" panose="020B0604020202020204" pitchFamily="34" charset="0"/>
+                        <a:ea typeface="Verdana" panose="020B0604030504040204" pitchFamily="34" charset="0"/>
+                        <a:cs typeface="Arial" panose="020B0604020202020204" pitchFamily="34" charset="0"/>
+                      </a:rPr>
+                      <a:t>0.1 g/L</a:t>
+                    </a:r>
+                  </a:p>
+                </p:txBody>
+              </p:sp>
+            </p:grpSp>
+            <p:grpSp>
+              <p:nvGrpSpPr>
+                <p:cNvPr id="20" name="Groep 19">
+                  <a:extLst>
+                    <a:ext uri="{FF2B5EF4-FFF2-40B4-BE49-F238E27FC236}">
+                      <a16:creationId xmlns:a16="http://schemas.microsoft.com/office/drawing/2014/main" id="{E76A2196-37DA-45A6-BBFB-795BBAAF41DC}"/>
+                    </a:ext>
+                  </a:extLst>
+                </p:cNvPr>
+                <p:cNvGrpSpPr/>
+                <p:nvPr/>
+              </p:nvGrpSpPr>
+              <p:grpSpPr>
+                <a:xfrm>
+                  <a:off x="6586125" y="5657439"/>
+                  <a:ext cx="785114" cy="307777"/>
+                  <a:chOff x="3631721" y="5505039"/>
+                  <a:chExt cx="785114" cy="307777"/>
+                </a:xfrm>
+              </p:grpSpPr>
+              <p:sp>
+                <p:nvSpPr>
+                  <p:cNvPr id="21" name="Ovaal 20">
+                    <a:extLst>
+                      <a:ext uri="{FF2B5EF4-FFF2-40B4-BE49-F238E27FC236}">
+                        <a16:creationId xmlns:a16="http://schemas.microsoft.com/office/drawing/2014/main" id="{93E5C273-F8F0-47B6-BE2F-D74D9EF2B7D5}"/>
+                      </a:ext>
+                    </a:extLst>
+                  </p:cNvPr>
+                  <p:cNvSpPr/>
+                  <p:nvPr/>
+                </p:nvSpPr>
+                <p:spPr>
+                  <a:xfrm>
+                    <a:off x="3631721" y="5607170"/>
+                    <a:ext cx="103517" cy="103517"/>
+                  </a:xfrm>
+                  <a:prstGeom prst="ellipse">
+                    <a:avLst/>
+                  </a:prstGeom>
+                  <a:solidFill>
+                    <a:srgbClr val="36CC36"/>
+                  </a:solidFill>
+                  <a:ln>
+                    <a:solidFill>
+                      <a:srgbClr val="36CC36"/>
+                    </a:solidFill>
+                  </a:ln>
+                </p:spPr>
+                <p:style>
+                  <a:lnRef idx="2">
+                    <a:schemeClr val="accent1">
+                      <a:shade val="50000"/>
+                    </a:schemeClr>
+                  </a:lnRef>
+                  <a:fillRef idx="1">
+                    <a:schemeClr val="accent1"/>
+                  </a:fillRef>
+                  <a:effectRef idx="0">
+                    <a:schemeClr val="accent1"/>
+                  </a:effectRef>
+                  <a:fontRef idx="minor">
+                    <a:schemeClr val="lt1"/>
+                  </a:fontRef>
+                </p:style>
+                <p:txBody>
+                  <a:bodyPr rtlCol="0" anchor="ctr"/>
+                  <a:lstStyle/>
+                  <a:p>
+                    <a:pPr algn="ctr"/>
+                    <a:endParaRPr lang="nl-NL"/>
+                  </a:p>
+                </p:txBody>
+              </p:sp>
+              <p:sp>
+                <p:nvSpPr>
+                  <p:cNvPr id="22" name="Tekstvak 21">
+                    <a:extLst>
+                      <a:ext uri="{FF2B5EF4-FFF2-40B4-BE49-F238E27FC236}">
+                        <a16:creationId xmlns:a16="http://schemas.microsoft.com/office/drawing/2014/main" id="{254427C0-1CBB-479F-9934-BA4A183EE057}"/>
+                      </a:ext>
+                    </a:extLst>
+                  </p:cNvPr>
+                  <p:cNvSpPr txBox="1"/>
+                  <p:nvPr/>
+                </p:nvSpPr>
+                <p:spPr>
+                  <a:xfrm>
+                    <a:off x="3735238" y="5505039"/>
+                    <a:ext cx="681597" cy="307777"/>
+                  </a:xfrm>
+                  <a:prstGeom prst="rect">
+                    <a:avLst/>
+                  </a:prstGeom>
+                  <a:noFill/>
+                </p:spPr>
+                <p:txBody>
+                  <a:bodyPr wrap="none" rtlCol="0">
+                    <a:spAutoFit/>
+                  </a:bodyPr>
+                  <a:lstStyle/>
+                  <a:p>
+                    <a:r>
+                      <a:rPr lang="nl-NL" sz="1400" dirty="0">
+                        <a:latin typeface="Arial" panose="020B0604020202020204" pitchFamily="34" charset="0"/>
+                        <a:ea typeface="Verdana" panose="020B0604030504040204" pitchFamily="34" charset="0"/>
+                        <a:cs typeface="Arial" panose="020B0604020202020204" pitchFamily="34" charset="0"/>
+                      </a:rPr>
+                      <a:t>10 g/L</a:t>
+                    </a:r>
+                  </a:p>
+                </p:txBody>
+              </p:sp>
+            </p:grpSp>
+          </p:grpSp>
+        </p:grpSp>
+      </p:grpSp>
+      <p:sp>
+        <p:nvSpPr>
+          <p:cNvPr id="19" name="Tekstvak 18">
+            <a:extLst>
+              <a:ext uri="{FF2B5EF4-FFF2-40B4-BE49-F238E27FC236}">
+                <a16:creationId xmlns:a16="http://schemas.microsoft.com/office/drawing/2014/main" id="{3890BCB6-1FB7-4FFB-9045-44AC4F0E7798}"/>
+              </a:ext>
+            </a:extLst>
+          </p:cNvPr>
+          <p:cNvSpPr txBox="1"/>
+          <p:nvPr/>
+        </p:nvSpPr>
+        <p:spPr>
+          <a:xfrm>
+            <a:off x="5098211" y="327804"/>
+            <a:ext cx="1513043" cy="369332"/>
+          </a:xfrm>
+          <a:prstGeom prst="rect">
+            <a:avLst/>
+          </a:prstGeom>
+          <a:noFill/>
+        </p:spPr>
+        <p:txBody>
+          <a:bodyPr wrap="none" rtlCol="0">
+            <a:spAutoFit/>
+          </a:bodyPr>
+          <a:lstStyle/>
+          <a:p>
+            <a:r>
+              <a:rPr lang="nl-NL" dirty="0"/>
+              <a:t>Nieuwe fitting</a:t>
+            </a:r>
+          </a:p>
+        </p:txBody>
+      </p:sp>
+    </p:spTree>
+    <p:extLst>
+      <p:ext uri="{BB962C8B-B14F-4D97-AF65-F5344CB8AC3E}">
+        <p14:creationId xmlns:p14="http://schemas.microsoft.com/office/powerpoint/2010/main" val="2855515495"/>
+      </p:ext>
+    </p:extLst>
+  </p:cSld>
+  <p:clrMapOvr>
+    <a:masterClrMapping/>
+  </p:clrMapOvr>
+</p:sld>
+</file>
+
+<file path=ppt/slides/slide4.xml><?xml version="1.0" encoding="utf-8"?>
+<p:sld xmlns:a="http://schemas.openxmlformats.org/drawingml/2006/main" xmlns:r="http://schemas.openxmlformats.org/officeDocument/2006/relationships" xmlns:p="http://schemas.openxmlformats.org/presentationml/2006/main">
+  <p:cSld>
+    <p:spTree>
+      <p:nvGrpSpPr>
+        <p:cNvPr id="1" name=""/>
+        <p:cNvGrpSpPr/>
+        <p:nvPr/>
+      </p:nvGrpSpPr>
+      <p:grpSpPr>
+        <a:xfrm>
+          <a:off x="0" y="0"/>
+          <a:ext cx="0" cy="0"/>
+          <a:chOff x="0" y="0"/>
+          <a:chExt cx="0" cy="0"/>
+        </a:xfrm>
+      </p:grpSpPr>
+      <p:sp>
+        <p:nvSpPr>
+          <p:cNvPr id="19" name="Tekstvak 18">
+            <a:extLst>
+              <a:ext uri="{FF2B5EF4-FFF2-40B4-BE49-F238E27FC236}">
+                <a16:creationId xmlns:a16="http://schemas.microsoft.com/office/drawing/2014/main" id="{3890BCB6-1FB7-4FFB-9045-44AC4F0E7798}"/>
+              </a:ext>
+            </a:extLst>
+          </p:cNvPr>
+          <p:cNvSpPr txBox="1"/>
+          <p:nvPr/>
+        </p:nvSpPr>
+        <p:spPr>
+          <a:xfrm>
+            <a:off x="6053670" y="219990"/>
+            <a:ext cx="1513043" cy="369332"/>
+          </a:xfrm>
+          <a:prstGeom prst="rect">
+            <a:avLst/>
+          </a:prstGeom>
+          <a:noFill/>
+        </p:spPr>
+        <p:txBody>
+          <a:bodyPr wrap="none" rtlCol="0">
+            <a:spAutoFit/>
+          </a:bodyPr>
+          <a:lstStyle/>
+          <a:p>
+            <a:r>
+              <a:rPr lang="nl-NL" dirty="0"/>
+              <a:t>Nieuwe fitting</a:t>
+            </a:r>
+          </a:p>
+        </p:txBody>
+      </p:sp>
+      <p:grpSp>
+        <p:nvGrpSpPr>
+          <p:cNvPr id="26" name="Groep 25">
+            <a:extLst>
+              <a:ext uri="{FF2B5EF4-FFF2-40B4-BE49-F238E27FC236}">
+                <a16:creationId xmlns:a16="http://schemas.microsoft.com/office/drawing/2014/main" id="{FFB85681-E8AA-49A6-A226-F6058C5B469F}"/>
+              </a:ext>
+            </a:extLst>
+          </p:cNvPr>
+          <p:cNvGrpSpPr/>
+          <p:nvPr/>
+        </p:nvGrpSpPr>
+        <p:grpSpPr>
+          <a:xfrm>
+            <a:off x="3734619" y="848505"/>
+            <a:ext cx="5858867" cy="5571526"/>
+            <a:chOff x="3734619" y="848505"/>
+            <a:chExt cx="5858867" cy="5571526"/>
+          </a:xfrm>
+        </p:grpSpPr>
+        <p:pic>
+          <p:nvPicPr>
+            <p:cNvPr id="2" name="Afbeelding 1">
+              <a:extLst>
+                <a:ext uri="{FF2B5EF4-FFF2-40B4-BE49-F238E27FC236}">
+                  <a16:creationId xmlns:a16="http://schemas.microsoft.com/office/drawing/2014/main" id="{E8543170-5095-41CF-A93F-B214CD2C8A31}"/>
+                </a:ext>
+              </a:extLst>
+            </p:cNvPr>
+            <p:cNvPicPr>
+              <a:picLocks noChangeAspect="1"/>
+            </p:cNvPicPr>
+            <p:nvPr/>
+          </p:nvPicPr>
+          <p:blipFill rotWithShape="1">
+            <a:blip r:embed="rId2"/>
+            <a:srcRect b="29990"/>
+            <a:stretch/>
+          </p:blipFill>
+          <p:spPr>
+            <a:xfrm>
+              <a:off x="4064403" y="848505"/>
+              <a:ext cx="5529083" cy="2321201"/>
+            </a:xfrm>
+            <a:prstGeom prst="rect">
+              <a:avLst/>
+            </a:prstGeom>
+          </p:spPr>
+        </p:pic>
+        <p:grpSp>
+          <p:nvGrpSpPr>
+            <p:cNvPr id="17" name="Groep 16">
+              <a:extLst>
+                <a:ext uri="{FF2B5EF4-FFF2-40B4-BE49-F238E27FC236}">
+                  <a16:creationId xmlns:a16="http://schemas.microsoft.com/office/drawing/2014/main" id="{FCF684B7-3CAA-413D-8091-899AD0655ECF}"/>
+                </a:ext>
+              </a:extLst>
+            </p:cNvPr>
+            <p:cNvGrpSpPr/>
+            <p:nvPr/>
+          </p:nvGrpSpPr>
+          <p:grpSpPr>
+            <a:xfrm>
+              <a:off x="5589040" y="5853488"/>
+              <a:ext cx="2965922" cy="566543"/>
+              <a:chOff x="4181370" y="5089710"/>
+              <a:chExt cx="3659479" cy="699025"/>
+            </a:xfrm>
+          </p:grpSpPr>
+          <p:pic>
+            <p:nvPicPr>
+              <p:cNvPr id="7" name="Afbeelding 6" descr="https://latex.codecogs.com/gif.latex?%5Cdpi%7B300%7D%20%5CLARGE%20t%20%5Ccdot%20c%5E2%20%5C%3B%20%5B%5Ctext%7Bsg%7D%5E2/%5Ctext%7BL%7D%5E%7B2%7D%5D">
+                <a:extLst>
+                  <a:ext uri="{FF2B5EF4-FFF2-40B4-BE49-F238E27FC236}">
+                    <a16:creationId xmlns:a16="http://schemas.microsoft.com/office/drawing/2014/main" id="{2EC20347-0599-4665-95E6-EF77E2A21FA9}"/>
+                  </a:ext>
+                </a:extLst>
+              </p:cNvPr>
+              <p:cNvPicPr>
+                <a:picLocks noChangeAspect="1" noChangeArrowheads="1"/>
+              </p:cNvPicPr>
+              <p:nvPr/>
+            </p:nvPicPr>
+            <p:blipFill>
+              <a:blip r:embed="rId3">
+                <a:extLst>
+                  <a:ext uri="{28A0092B-C50C-407E-A947-70E740481C1C}">
+                    <a14:useLocalDpi xmlns:a14="http://schemas.microsoft.com/office/drawing/2010/main" val="0"/>
+                  </a:ext>
+                </a:extLst>
+              </a:blip>
+              <a:srcRect/>
+              <a:stretch>
+                <a:fillRect/>
+              </a:stretch>
+            </p:blipFill>
+            <p:spPr bwMode="auto">
+              <a:xfrm>
+                <a:off x="5223213" y="5089710"/>
+                <a:ext cx="1316648" cy="287758"/>
+              </a:xfrm>
+              <a:prstGeom prst="rect">
+                <a:avLst/>
+              </a:prstGeom>
+              <a:noFill/>
+              <a:extLst>
+                <a:ext uri="{909E8E84-426E-40DD-AFC4-6F175D3DCCD1}">
+                  <a14:hiddenFill xmlns:a14="http://schemas.microsoft.com/office/drawing/2010/main">
+                    <a:solidFill>
+                      <a:srgbClr val="FFFFFF"/>
+                    </a:solidFill>
+                  </a14:hiddenFill>
+                </a:ext>
+              </a:extLst>
+            </p:spPr>
+          </p:pic>
+          <p:grpSp>
+            <p:nvGrpSpPr>
+              <p:cNvPr id="23" name="Groep 22">
+                <a:extLst>
+                  <a:ext uri="{FF2B5EF4-FFF2-40B4-BE49-F238E27FC236}">
+                    <a16:creationId xmlns:a16="http://schemas.microsoft.com/office/drawing/2014/main" id="{04C69006-1085-43EB-829C-2DE9E26EEE53}"/>
+                  </a:ext>
+                </a:extLst>
+              </p:cNvPr>
+              <p:cNvGrpSpPr/>
+              <p:nvPr/>
+            </p:nvGrpSpPr>
+            <p:grpSpPr>
+              <a:xfrm>
+                <a:off x="4181370" y="5446962"/>
+                <a:ext cx="3659479" cy="341773"/>
+                <a:chOff x="3784121" y="5657439"/>
+                <a:chExt cx="3659479" cy="341773"/>
+              </a:xfrm>
+            </p:grpSpPr>
+            <p:grpSp>
+              <p:nvGrpSpPr>
+                <p:cNvPr id="10" name="Groep 9">
+                  <a:extLst>
+                    <a:ext uri="{FF2B5EF4-FFF2-40B4-BE49-F238E27FC236}">
+                      <a16:creationId xmlns:a16="http://schemas.microsoft.com/office/drawing/2014/main" id="{7F9FBC6A-301C-42B1-8B70-A6305718985A}"/>
+                    </a:ext>
+                  </a:extLst>
+                </p:cNvPr>
+                <p:cNvGrpSpPr/>
+                <p:nvPr/>
+              </p:nvGrpSpPr>
+              <p:grpSpPr>
+                <a:xfrm>
+                  <a:off x="5660769" y="5657439"/>
+                  <a:ext cx="910877" cy="341773"/>
+                  <a:chOff x="3631721" y="5505039"/>
+                  <a:chExt cx="910877" cy="341773"/>
+                </a:xfrm>
+              </p:grpSpPr>
+              <p:sp>
+                <p:nvSpPr>
+                  <p:cNvPr id="8" name="Ovaal 7">
+                    <a:extLst>
+                      <a:ext uri="{FF2B5EF4-FFF2-40B4-BE49-F238E27FC236}">
+                        <a16:creationId xmlns:a16="http://schemas.microsoft.com/office/drawing/2014/main" id="{21D71338-245C-4011-8393-99153A030423}"/>
+                      </a:ext>
+                    </a:extLst>
+                  </p:cNvPr>
+                  <p:cNvSpPr/>
+                  <p:nvPr/>
+                </p:nvSpPr>
+                <p:spPr>
+                  <a:xfrm>
+                    <a:off x="3631721" y="5638510"/>
+                    <a:ext cx="103517" cy="103517"/>
+                  </a:xfrm>
+                  <a:prstGeom prst="ellipse">
+                    <a:avLst/>
+                  </a:prstGeom>
+                  <a:solidFill>
+                    <a:srgbClr val="FDCC02"/>
+                  </a:solidFill>
+                  <a:ln>
+                    <a:solidFill>
+                      <a:srgbClr val="FDCC02"/>
+                    </a:solidFill>
+                  </a:ln>
+                </p:spPr>
+                <p:style>
+                  <a:lnRef idx="2">
+                    <a:schemeClr val="accent1">
+                      <a:shade val="50000"/>
+                    </a:schemeClr>
+                  </a:lnRef>
+                  <a:fillRef idx="1">
+                    <a:schemeClr val="accent1"/>
+                  </a:fillRef>
+                  <a:effectRef idx="0">
+                    <a:schemeClr val="accent1"/>
+                  </a:effectRef>
+                  <a:fontRef idx="minor">
+                    <a:schemeClr val="lt1"/>
+                  </a:fontRef>
+                </p:style>
+                <p:txBody>
+                  <a:bodyPr rtlCol="0" anchor="ctr"/>
+                  <a:lstStyle/>
+                  <a:p>
+                    <a:pPr algn="ctr"/>
+                    <a:endParaRPr lang="nl-NL"/>
+                  </a:p>
+                </p:txBody>
+              </p:sp>
+              <p:sp>
+                <p:nvSpPr>
+                  <p:cNvPr id="9" name="Tekstvak 8">
+                    <a:extLst>
+                      <a:ext uri="{FF2B5EF4-FFF2-40B4-BE49-F238E27FC236}">
+                        <a16:creationId xmlns:a16="http://schemas.microsoft.com/office/drawing/2014/main" id="{D44E6708-F359-48D9-AD8C-DD72AC141B96}"/>
+                      </a:ext>
+                    </a:extLst>
+                  </p:cNvPr>
+                  <p:cNvSpPr txBox="1"/>
+                  <p:nvPr/>
+                </p:nvSpPr>
+                <p:spPr>
+                  <a:xfrm>
+                    <a:off x="3735238" y="5505039"/>
+                    <a:ext cx="807360" cy="341773"/>
+                  </a:xfrm>
+                  <a:prstGeom prst="rect">
+                    <a:avLst/>
+                  </a:prstGeom>
+                  <a:noFill/>
+                </p:spPr>
+                <p:txBody>
+                  <a:bodyPr wrap="none" rtlCol="0">
+                    <a:spAutoFit/>
+                  </a:bodyPr>
+                  <a:lstStyle/>
+                  <a:p>
+                    <a:r>
+                      <a:rPr lang="nl-NL" sz="1200" dirty="0">
+                        <a:latin typeface="Arial" panose="020B0604020202020204" pitchFamily="34" charset="0"/>
+                        <a:ea typeface="Verdana" panose="020B0604030504040204" pitchFamily="34" charset="0"/>
+                        <a:cs typeface="Arial" panose="020B0604020202020204" pitchFamily="34" charset="0"/>
+                      </a:rPr>
+                      <a:t>2.5 g/L</a:t>
+                    </a:r>
+                  </a:p>
+                </p:txBody>
+              </p:sp>
+            </p:grpSp>
+            <p:grpSp>
+              <p:nvGrpSpPr>
+                <p:cNvPr id="11" name="Groep 10">
+                  <a:extLst>
+                    <a:ext uri="{FF2B5EF4-FFF2-40B4-BE49-F238E27FC236}">
+                      <a16:creationId xmlns:a16="http://schemas.microsoft.com/office/drawing/2014/main" id="{1F52DA72-FE4D-4EF3-9291-879A43110468}"/>
+                    </a:ext>
+                  </a:extLst>
+                </p:cNvPr>
+                <p:cNvGrpSpPr/>
+                <p:nvPr/>
+              </p:nvGrpSpPr>
+              <p:grpSpPr>
+                <a:xfrm>
+                  <a:off x="4722445" y="5657439"/>
+                  <a:ext cx="910877" cy="341773"/>
+                  <a:chOff x="3631721" y="5505039"/>
+                  <a:chExt cx="910877" cy="341773"/>
+                </a:xfrm>
+              </p:grpSpPr>
+              <p:sp>
+                <p:nvSpPr>
+                  <p:cNvPr id="12" name="Ovaal 11">
+                    <a:extLst>
+                      <a:ext uri="{FF2B5EF4-FFF2-40B4-BE49-F238E27FC236}">
+                        <a16:creationId xmlns:a16="http://schemas.microsoft.com/office/drawing/2014/main" id="{F43A4B6A-4EA4-4751-9612-196DE3D53D3D}"/>
+                      </a:ext>
+                    </a:extLst>
+                  </p:cNvPr>
+                  <p:cNvSpPr/>
+                  <p:nvPr/>
+                </p:nvSpPr>
+                <p:spPr>
+                  <a:xfrm>
+                    <a:off x="3631721" y="5638510"/>
+                    <a:ext cx="103517" cy="103517"/>
+                  </a:xfrm>
+                  <a:prstGeom prst="ellipse">
+                    <a:avLst/>
+                  </a:prstGeom>
+                  <a:solidFill>
+                    <a:srgbClr val="FF0606"/>
+                  </a:solidFill>
+                  <a:ln>
+                    <a:solidFill>
+                      <a:srgbClr val="FF0606"/>
+                    </a:solidFill>
+                  </a:ln>
+                </p:spPr>
+                <p:style>
+                  <a:lnRef idx="2">
+                    <a:schemeClr val="accent1">
+                      <a:shade val="50000"/>
+                    </a:schemeClr>
+                  </a:lnRef>
+                  <a:fillRef idx="1">
+                    <a:schemeClr val="accent1"/>
+                  </a:fillRef>
+                  <a:effectRef idx="0">
+                    <a:schemeClr val="accent1"/>
+                  </a:effectRef>
+                  <a:fontRef idx="minor">
+                    <a:schemeClr val="lt1"/>
+                  </a:fontRef>
+                </p:style>
+                <p:txBody>
+                  <a:bodyPr rtlCol="0" anchor="ctr"/>
+                  <a:lstStyle/>
+                  <a:p>
+                    <a:pPr algn="ctr"/>
+                    <a:endParaRPr lang="nl-NL"/>
+                  </a:p>
+                </p:txBody>
+              </p:sp>
+              <p:sp>
+                <p:nvSpPr>
+                  <p:cNvPr id="13" name="Tekstvak 12">
+                    <a:extLst>
+                      <a:ext uri="{FF2B5EF4-FFF2-40B4-BE49-F238E27FC236}">
+                        <a16:creationId xmlns:a16="http://schemas.microsoft.com/office/drawing/2014/main" id="{AB380355-AA47-47E4-85EC-C1C1973544AA}"/>
+                      </a:ext>
+                    </a:extLst>
+                  </p:cNvPr>
+                  <p:cNvSpPr txBox="1"/>
+                  <p:nvPr/>
+                </p:nvSpPr>
+                <p:spPr>
+                  <a:xfrm>
+                    <a:off x="3735238" y="5505039"/>
+                    <a:ext cx="807360" cy="341773"/>
+                  </a:xfrm>
+                  <a:prstGeom prst="rect">
+                    <a:avLst/>
+                  </a:prstGeom>
+                  <a:noFill/>
+                </p:spPr>
+                <p:txBody>
+                  <a:bodyPr wrap="none" rtlCol="0">
+                    <a:spAutoFit/>
+                  </a:bodyPr>
+                  <a:lstStyle/>
+                  <a:p>
+                    <a:r>
+                      <a:rPr lang="nl-NL" sz="1200" dirty="0">
+                        <a:latin typeface="Arial" panose="020B0604020202020204" pitchFamily="34" charset="0"/>
+                        <a:ea typeface="Verdana" panose="020B0604030504040204" pitchFamily="34" charset="0"/>
+                        <a:cs typeface="Arial" panose="020B0604020202020204" pitchFamily="34" charset="0"/>
+                      </a:rPr>
+                      <a:t>1.0 g/L</a:t>
+                    </a:r>
+                  </a:p>
+                </p:txBody>
+              </p:sp>
+            </p:grpSp>
+            <p:grpSp>
+              <p:nvGrpSpPr>
+                <p:cNvPr id="14" name="Groep 13">
+                  <a:extLst>
+                    <a:ext uri="{FF2B5EF4-FFF2-40B4-BE49-F238E27FC236}">
+                      <a16:creationId xmlns:a16="http://schemas.microsoft.com/office/drawing/2014/main" id="{E9F63ACE-CFBE-4F41-B2B4-AA4CE10737EE}"/>
+                    </a:ext>
+                  </a:extLst>
+                </p:cNvPr>
+                <p:cNvGrpSpPr/>
+                <p:nvPr/>
+              </p:nvGrpSpPr>
+              <p:grpSpPr>
+                <a:xfrm>
+                  <a:off x="3784121" y="5657439"/>
+                  <a:ext cx="910877" cy="341773"/>
+                  <a:chOff x="3631721" y="5505039"/>
+                  <a:chExt cx="910877" cy="341773"/>
+                </a:xfrm>
+              </p:grpSpPr>
+              <p:sp>
+                <p:nvSpPr>
+                  <p:cNvPr id="15" name="Ovaal 14">
+                    <a:extLst>
+                      <a:ext uri="{FF2B5EF4-FFF2-40B4-BE49-F238E27FC236}">
+                        <a16:creationId xmlns:a16="http://schemas.microsoft.com/office/drawing/2014/main" id="{13D42F20-ED83-45EC-BEF7-98665C2A0CC0}"/>
+                      </a:ext>
+                    </a:extLst>
+                  </p:cNvPr>
+                  <p:cNvSpPr/>
+                  <p:nvPr/>
+                </p:nvSpPr>
+                <p:spPr>
+                  <a:xfrm>
+                    <a:off x="3631721" y="5638510"/>
+                    <a:ext cx="103517" cy="103517"/>
+                  </a:xfrm>
+                  <a:prstGeom prst="ellipse">
+                    <a:avLst/>
+                  </a:prstGeom>
+                  <a:solidFill>
+                    <a:srgbClr val="0606FF"/>
+                  </a:solidFill>
+                  <a:ln>
+                    <a:solidFill>
+                      <a:srgbClr val="0606FF"/>
+                    </a:solidFill>
+                  </a:ln>
+                </p:spPr>
+                <p:style>
+                  <a:lnRef idx="2">
+                    <a:schemeClr val="accent1">
+                      <a:shade val="50000"/>
+                    </a:schemeClr>
+                  </a:lnRef>
+                  <a:fillRef idx="1">
+                    <a:schemeClr val="accent1"/>
+                  </a:fillRef>
+                  <a:effectRef idx="0">
+                    <a:schemeClr val="accent1"/>
+                  </a:effectRef>
+                  <a:fontRef idx="minor">
+                    <a:schemeClr val="lt1"/>
+                  </a:fontRef>
+                </p:style>
+                <p:txBody>
+                  <a:bodyPr rtlCol="0" anchor="ctr"/>
+                  <a:lstStyle/>
+                  <a:p>
+                    <a:pPr algn="ctr"/>
+                    <a:endParaRPr lang="nl-NL"/>
+                  </a:p>
+                </p:txBody>
+              </p:sp>
+              <p:sp>
+                <p:nvSpPr>
+                  <p:cNvPr id="16" name="Tekstvak 15">
+                    <a:extLst>
+                      <a:ext uri="{FF2B5EF4-FFF2-40B4-BE49-F238E27FC236}">
+                        <a16:creationId xmlns:a16="http://schemas.microsoft.com/office/drawing/2014/main" id="{EF0AF73D-C19F-455D-8D00-EBFD8659497E}"/>
+                      </a:ext>
+                    </a:extLst>
+                  </p:cNvPr>
+                  <p:cNvSpPr txBox="1"/>
+                  <p:nvPr/>
+                </p:nvSpPr>
+                <p:spPr>
+                  <a:xfrm>
+                    <a:off x="3735238" y="5505039"/>
+                    <a:ext cx="807360" cy="341773"/>
+                  </a:xfrm>
+                  <a:prstGeom prst="rect">
+                    <a:avLst/>
+                  </a:prstGeom>
+                  <a:noFill/>
+                </p:spPr>
+                <p:txBody>
+                  <a:bodyPr wrap="none" rtlCol="0">
+                    <a:spAutoFit/>
+                  </a:bodyPr>
+                  <a:lstStyle/>
+                  <a:p>
+                    <a:r>
+                      <a:rPr lang="nl-NL" sz="1200" dirty="0">
+                        <a:latin typeface="Arial" panose="020B0604020202020204" pitchFamily="34" charset="0"/>
+                        <a:ea typeface="Verdana" panose="020B0604030504040204" pitchFamily="34" charset="0"/>
+                        <a:cs typeface="Arial" panose="020B0604020202020204" pitchFamily="34" charset="0"/>
+                      </a:rPr>
+                      <a:t>0.1 g/L</a:t>
+                    </a:r>
+                  </a:p>
+                </p:txBody>
+              </p:sp>
+            </p:grpSp>
+            <p:grpSp>
+              <p:nvGrpSpPr>
+                <p:cNvPr id="20" name="Groep 19">
+                  <a:extLst>
+                    <a:ext uri="{FF2B5EF4-FFF2-40B4-BE49-F238E27FC236}">
+                      <a16:creationId xmlns:a16="http://schemas.microsoft.com/office/drawing/2014/main" id="{E76A2196-37DA-45A6-BBFB-795BBAAF41DC}"/>
+                    </a:ext>
+                  </a:extLst>
+                </p:cNvPr>
+                <p:cNvGrpSpPr/>
+                <p:nvPr/>
+              </p:nvGrpSpPr>
+              <p:grpSpPr>
+                <a:xfrm>
+                  <a:off x="6586125" y="5657439"/>
+                  <a:ext cx="857475" cy="341773"/>
+                  <a:chOff x="3631721" y="5505039"/>
+                  <a:chExt cx="857475" cy="341773"/>
+                </a:xfrm>
+              </p:grpSpPr>
+              <p:sp>
+                <p:nvSpPr>
+                  <p:cNvPr id="21" name="Ovaal 20">
+                    <a:extLst>
+                      <a:ext uri="{FF2B5EF4-FFF2-40B4-BE49-F238E27FC236}">
+                        <a16:creationId xmlns:a16="http://schemas.microsoft.com/office/drawing/2014/main" id="{93E5C273-F8F0-47B6-BE2F-D74D9EF2B7D5}"/>
+                      </a:ext>
+                    </a:extLst>
+                  </p:cNvPr>
+                  <p:cNvSpPr/>
+                  <p:nvPr/>
+                </p:nvSpPr>
+                <p:spPr>
+                  <a:xfrm>
+                    <a:off x="3631721" y="5638510"/>
+                    <a:ext cx="103517" cy="103517"/>
+                  </a:xfrm>
+                  <a:prstGeom prst="ellipse">
+                    <a:avLst/>
+                  </a:prstGeom>
+                  <a:solidFill>
+                    <a:srgbClr val="36CC36"/>
+                  </a:solidFill>
+                  <a:ln>
+                    <a:solidFill>
+                      <a:srgbClr val="36CC36"/>
+                    </a:solidFill>
+                  </a:ln>
+                </p:spPr>
+                <p:style>
+                  <a:lnRef idx="2">
+                    <a:schemeClr val="accent1">
+                      <a:shade val="50000"/>
+                    </a:schemeClr>
+                  </a:lnRef>
+                  <a:fillRef idx="1">
+                    <a:schemeClr val="accent1"/>
+                  </a:fillRef>
+                  <a:effectRef idx="0">
+                    <a:schemeClr val="accent1"/>
+                  </a:effectRef>
+                  <a:fontRef idx="minor">
+                    <a:schemeClr val="lt1"/>
+                  </a:fontRef>
+                </p:style>
+                <p:txBody>
+                  <a:bodyPr rtlCol="0" anchor="ctr"/>
+                  <a:lstStyle/>
+                  <a:p>
+                    <a:pPr algn="ctr"/>
+                    <a:endParaRPr lang="nl-NL"/>
+                  </a:p>
+                </p:txBody>
+              </p:sp>
+              <p:sp>
+                <p:nvSpPr>
+                  <p:cNvPr id="22" name="Tekstvak 21">
+                    <a:extLst>
+                      <a:ext uri="{FF2B5EF4-FFF2-40B4-BE49-F238E27FC236}">
+                        <a16:creationId xmlns:a16="http://schemas.microsoft.com/office/drawing/2014/main" id="{254427C0-1CBB-479F-9934-BA4A183EE057}"/>
+                      </a:ext>
+                    </a:extLst>
+                  </p:cNvPr>
+                  <p:cNvSpPr txBox="1"/>
+                  <p:nvPr/>
+                </p:nvSpPr>
+                <p:spPr>
+                  <a:xfrm>
+                    <a:off x="3735238" y="5505039"/>
+                    <a:ext cx="753958" cy="341773"/>
+                  </a:xfrm>
+                  <a:prstGeom prst="rect">
+                    <a:avLst/>
+                  </a:prstGeom>
+                  <a:noFill/>
+                </p:spPr>
+                <p:txBody>
+                  <a:bodyPr wrap="none" rtlCol="0">
+                    <a:spAutoFit/>
+                  </a:bodyPr>
+                  <a:lstStyle/>
+                  <a:p>
+                    <a:r>
+                      <a:rPr lang="nl-NL" sz="1200" dirty="0">
+                        <a:latin typeface="Arial" panose="020B0604020202020204" pitchFamily="34" charset="0"/>
+                        <a:ea typeface="Verdana" panose="020B0604030504040204" pitchFamily="34" charset="0"/>
+                        <a:cs typeface="Arial" panose="020B0604020202020204" pitchFamily="34" charset="0"/>
+                      </a:rPr>
+                      <a:t>10 g/L</a:t>
+                    </a:r>
+                  </a:p>
+                </p:txBody>
+              </p:sp>
+            </p:grpSp>
+          </p:grpSp>
+        </p:grpSp>
+        <p:grpSp>
+          <p:nvGrpSpPr>
+            <p:cNvPr id="25" name="Groep 24">
+              <a:extLst>
+                <a:ext uri="{FF2B5EF4-FFF2-40B4-BE49-F238E27FC236}">
+                  <a16:creationId xmlns:a16="http://schemas.microsoft.com/office/drawing/2014/main" id="{CFECCF96-5F6F-40FE-ACA2-B5A224BCFAE2}"/>
+                </a:ext>
+              </a:extLst>
+            </p:cNvPr>
+            <p:cNvGrpSpPr/>
+            <p:nvPr/>
+          </p:nvGrpSpPr>
+          <p:grpSpPr>
+            <a:xfrm>
+              <a:off x="4064403" y="3203698"/>
+              <a:ext cx="5529083" cy="2617383"/>
+              <a:chOff x="4064403" y="3688295"/>
+              <a:chExt cx="5529083" cy="2617383"/>
+            </a:xfrm>
+          </p:grpSpPr>
+          <p:sp>
+            <p:nvSpPr>
+              <p:cNvPr id="3" name="Tekstvak 2">
+                <a:extLst>
+                  <a:ext uri="{FF2B5EF4-FFF2-40B4-BE49-F238E27FC236}">
+                    <a16:creationId xmlns:a16="http://schemas.microsoft.com/office/drawing/2014/main" id="{C704E5CB-715E-4719-971A-68906C6DDEDF}"/>
+                  </a:ext>
+                </a:extLst>
+              </p:cNvPr>
+              <p:cNvSpPr txBox="1"/>
+              <p:nvPr/>
+            </p:nvSpPr>
+            <p:spPr>
+              <a:xfrm>
+                <a:off x="4334349" y="5997901"/>
+                <a:ext cx="433132" cy="307777"/>
+              </a:xfrm>
+              <a:prstGeom prst="rect">
+                <a:avLst/>
+              </a:prstGeom>
+              <a:noFill/>
+            </p:spPr>
+            <p:txBody>
+              <a:bodyPr wrap="none" rtlCol="0">
+                <a:spAutoFit/>
+              </a:bodyPr>
+              <a:lstStyle/>
+              <a:p>
+                <a:r>
+                  <a:rPr lang="nl-NL" sz="1400" dirty="0">
+                    <a:latin typeface="Arial" panose="020B0604020202020204" pitchFamily="34" charset="0"/>
+                    <a:cs typeface="Arial" panose="020B0604020202020204" pitchFamily="34" charset="0"/>
+                  </a:rPr>
+                  <a:t>0.1</a:t>
+                </a:r>
+              </a:p>
+            </p:txBody>
+          </p:sp>
+          <p:sp>
+            <p:nvSpPr>
+              <p:cNvPr id="28" name="Tekstvak 27">
+                <a:extLst>
+                  <a:ext uri="{FF2B5EF4-FFF2-40B4-BE49-F238E27FC236}">
+                    <a16:creationId xmlns:a16="http://schemas.microsoft.com/office/drawing/2014/main" id="{4FC238E7-00E4-48E7-BB5A-11BA822ACF84}"/>
+                  </a:ext>
+                </a:extLst>
+              </p:cNvPr>
+              <p:cNvSpPr txBox="1"/>
+              <p:nvPr/>
+            </p:nvSpPr>
+            <p:spPr>
+              <a:xfrm>
+                <a:off x="5090493" y="5997901"/>
+                <a:ext cx="284052" cy="307777"/>
+              </a:xfrm>
+              <a:prstGeom prst="rect">
+                <a:avLst/>
+              </a:prstGeom>
+              <a:noFill/>
+            </p:spPr>
+            <p:txBody>
+              <a:bodyPr wrap="none" rtlCol="0">
+                <a:spAutoFit/>
+              </a:bodyPr>
+              <a:lstStyle/>
+              <a:p>
+                <a:r>
+                  <a:rPr lang="nl-NL" sz="1400" dirty="0">
+                    <a:latin typeface="Arial" panose="020B0604020202020204" pitchFamily="34" charset="0"/>
+                    <a:cs typeface="Arial" panose="020B0604020202020204" pitchFamily="34" charset="0"/>
+                  </a:rPr>
+                  <a:t>1</a:t>
+                </a:r>
+                <a:endParaRPr lang="nl-NL" sz="1400" baseline="30000" dirty="0">
+                  <a:latin typeface="Arial" panose="020B0604020202020204" pitchFamily="34" charset="0"/>
+                  <a:cs typeface="Arial" panose="020B0604020202020204" pitchFamily="34" charset="0"/>
+                </a:endParaRPr>
+              </a:p>
+            </p:txBody>
+          </p:sp>
+          <p:sp>
+            <p:nvSpPr>
+              <p:cNvPr id="29" name="Tekstvak 28">
+                <a:extLst>
+                  <a:ext uri="{FF2B5EF4-FFF2-40B4-BE49-F238E27FC236}">
+                    <a16:creationId xmlns:a16="http://schemas.microsoft.com/office/drawing/2014/main" id="{1DCD742D-3F68-46C3-9D52-F5DB2F80EEE0}"/>
+                  </a:ext>
+                </a:extLst>
+              </p:cNvPr>
+              <p:cNvSpPr txBox="1"/>
+              <p:nvPr/>
+            </p:nvSpPr>
+            <p:spPr>
+              <a:xfrm>
+                <a:off x="5716792" y="5997901"/>
+                <a:ext cx="383438" cy="307777"/>
+              </a:xfrm>
+              <a:prstGeom prst="rect">
+                <a:avLst/>
+              </a:prstGeom>
+              <a:noFill/>
+            </p:spPr>
+            <p:txBody>
+              <a:bodyPr wrap="none" rtlCol="0">
+                <a:spAutoFit/>
+              </a:bodyPr>
+              <a:lstStyle/>
+              <a:p>
+                <a:r>
+                  <a:rPr lang="nl-NL" sz="1400" dirty="0">
+                    <a:latin typeface="Arial" panose="020B0604020202020204" pitchFamily="34" charset="0"/>
+                    <a:cs typeface="Arial" panose="020B0604020202020204" pitchFamily="34" charset="0"/>
+                  </a:rPr>
+                  <a:t>10</a:t>
+                </a:r>
+                <a:endParaRPr lang="nl-NL" sz="1400" baseline="30000" dirty="0">
+                  <a:latin typeface="Arial" panose="020B0604020202020204" pitchFamily="34" charset="0"/>
+                  <a:cs typeface="Arial" panose="020B0604020202020204" pitchFamily="34" charset="0"/>
+                </a:endParaRPr>
+              </a:p>
+            </p:txBody>
+          </p:sp>
+          <p:sp>
+            <p:nvSpPr>
+              <p:cNvPr id="31" name="Tekstvak 30">
+                <a:extLst>
+                  <a:ext uri="{FF2B5EF4-FFF2-40B4-BE49-F238E27FC236}">
+                    <a16:creationId xmlns:a16="http://schemas.microsoft.com/office/drawing/2014/main" id="{0E809666-D165-4557-BC1D-AA0CE9C33695}"/>
+                  </a:ext>
+                </a:extLst>
+              </p:cNvPr>
+              <p:cNvSpPr txBox="1"/>
+              <p:nvPr/>
+            </p:nvSpPr>
+            <p:spPr>
+              <a:xfrm>
+                <a:off x="6359428" y="5996610"/>
+                <a:ext cx="450764" cy="307777"/>
+              </a:xfrm>
+              <a:prstGeom prst="rect">
+                <a:avLst/>
+              </a:prstGeom>
+              <a:noFill/>
+            </p:spPr>
+            <p:txBody>
+              <a:bodyPr wrap="none" rtlCol="0">
+                <a:spAutoFit/>
+              </a:bodyPr>
+              <a:lstStyle/>
+              <a:p>
+                <a:r>
+                  <a:rPr lang="nl-NL" sz="1400" dirty="0">
+                    <a:latin typeface="Arial" panose="020B0604020202020204" pitchFamily="34" charset="0"/>
+                    <a:cs typeface="Arial" panose="020B0604020202020204" pitchFamily="34" charset="0"/>
+                  </a:rPr>
+                  <a:t>10</a:t>
+                </a:r>
+                <a:r>
+                  <a:rPr lang="nl-NL" sz="1400" baseline="30000" dirty="0">
+                    <a:latin typeface="Arial" panose="020B0604020202020204" pitchFamily="34" charset="0"/>
+                    <a:cs typeface="Arial" panose="020B0604020202020204" pitchFamily="34" charset="0"/>
+                  </a:rPr>
+                  <a:t>2</a:t>
+                </a:r>
+              </a:p>
+            </p:txBody>
+          </p:sp>
+          <p:sp>
+            <p:nvSpPr>
+              <p:cNvPr id="32" name="Tekstvak 31">
+                <a:extLst>
+                  <a:ext uri="{FF2B5EF4-FFF2-40B4-BE49-F238E27FC236}">
+                    <a16:creationId xmlns:a16="http://schemas.microsoft.com/office/drawing/2014/main" id="{96543CB5-9F27-48E8-A6DF-75868B1E4B22}"/>
+                  </a:ext>
+                </a:extLst>
+              </p:cNvPr>
+              <p:cNvSpPr txBox="1"/>
+              <p:nvPr/>
+            </p:nvSpPr>
+            <p:spPr>
+              <a:xfrm>
+                <a:off x="7042678" y="5996610"/>
+                <a:ext cx="450764" cy="307777"/>
+              </a:xfrm>
+              <a:prstGeom prst="rect">
+                <a:avLst/>
+              </a:prstGeom>
+              <a:noFill/>
+            </p:spPr>
+            <p:txBody>
+              <a:bodyPr wrap="none" rtlCol="0">
+                <a:spAutoFit/>
+              </a:bodyPr>
+              <a:lstStyle/>
+              <a:p>
+                <a:r>
+                  <a:rPr lang="nl-NL" sz="1400" dirty="0">
+                    <a:latin typeface="Arial" panose="020B0604020202020204" pitchFamily="34" charset="0"/>
+                    <a:cs typeface="Arial" panose="020B0604020202020204" pitchFamily="34" charset="0"/>
+                  </a:rPr>
+                  <a:t>10</a:t>
+                </a:r>
+                <a:r>
+                  <a:rPr lang="nl-NL" sz="1400" baseline="30000" dirty="0">
+                    <a:latin typeface="Arial" panose="020B0604020202020204" pitchFamily="34" charset="0"/>
+                    <a:cs typeface="Arial" panose="020B0604020202020204" pitchFamily="34" charset="0"/>
+                  </a:rPr>
+                  <a:t>3</a:t>
+                </a:r>
+              </a:p>
+            </p:txBody>
+          </p:sp>
+          <p:sp>
+            <p:nvSpPr>
+              <p:cNvPr id="33" name="Tekstvak 32">
+                <a:extLst>
+                  <a:ext uri="{FF2B5EF4-FFF2-40B4-BE49-F238E27FC236}">
+                    <a16:creationId xmlns:a16="http://schemas.microsoft.com/office/drawing/2014/main" id="{15AB013D-6654-454E-8F88-B26C4D6F2CED}"/>
+                  </a:ext>
+                </a:extLst>
+              </p:cNvPr>
+              <p:cNvSpPr txBox="1"/>
+              <p:nvPr/>
+            </p:nvSpPr>
+            <p:spPr>
+              <a:xfrm>
+                <a:off x="7725927" y="5996610"/>
+                <a:ext cx="450764" cy="307777"/>
+              </a:xfrm>
+              <a:prstGeom prst="rect">
+                <a:avLst/>
+              </a:prstGeom>
+              <a:noFill/>
+            </p:spPr>
+            <p:txBody>
+              <a:bodyPr wrap="none" rtlCol="0">
+                <a:spAutoFit/>
+              </a:bodyPr>
+              <a:lstStyle/>
+              <a:p>
+                <a:r>
+                  <a:rPr lang="nl-NL" sz="1400" dirty="0">
+                    <a:latin typeface="Arial" panose="020B0604020202020204" pitchFamily="34" charset="0"/>
+                    <a:cs typeface="Arial" panose="020B0604020202020204" pitchFamily="34" charset="0"/>
+                  </a:rPr>
+                  <a:t>10</a:t>
+                </a:r>
+                <a:r>
+                  <a:rPr lang="nl-NL" sz="1400" baseline="30000" dirty="0">
+                    <a:latin typeface="Arial" panose="020B0604020202020204" pitchFamily="34" charset="0"/>
+                    <a:cs typeface="Arial" panose="020B0604020202020204" pitchFamily="34" charset="0"/>
+                  </a:rPr>
+                  <a:t>4</a:t>
+                </a:r>
+              </a:p>
+            </p:txBody>
+          </p:sp>
+          <p:sp>
+            <p:nvSpPr>
+              <p:cNvPr id="34" name="Tekstvak 33">
+                <a:extLst>
+                  <a:ext uri="{FF2B5EF4-FFF2-40B4-BE49-F238E27FC236}">
+                    <a16:creationId xmlns:a16="http://schemas.microsoft.com/office/drawing/2014/main" id="{613F4660-DBC9-468B-969D-720C8817FDA1}"/>
+                  </a:ext>
+                </a:extLst>
+              </p:cNvPr>
+              <p:cNvSpPr txBox="1"/>
+              <p:nvPr/>
+            </p:nvSpPr>
+            <p:spPr>
+              <a:xfrm>
+                <a:off x="8328993" y="5997434"/>
+                <a:ext cx="450764" cy="307777"/>
+              </a:xfrm>
+              <a:prstGeom prst="rect">
+                <a:avLst/>
+              </a:prstGeom>
+              <a:noFill/>
+            </p:spPr>
+            <p:txBody>
+              <a:bodyPr wrap="none" rtlCol="0">
+                <a:spAutoFit/>
+              </a:bodyPr>
+              <a:lstStyle/>
+              <a:p>
+                <a:r>
+                  <a:rPr lang="nl-NL" sz="1400" dirty="0">
+                    <a:latin typeface="Arial" panose="020B0604020202020204" pitchFamily="34" charset="0"/>
+                    <a:cs typeface="Arial" panose="020B0604020202020204" pitchFamily="34" charset="0"/>
+                  </a:rPr>
+                  <a:t>10</a:t>
+                </a:r>
+                <a:r>
+                  <a:rPr lang="nl-NL" sz="1400" baseline="30000" dirty="0">
+                    <a:latin typeface="Arial" panose="020B0604020202020204" pitchFamily="34" charset="0"/>
+                    <a:cs typeface="Arial" panose="020B0604020202020204" pitchFamily="34" charset="0"/>
+                  </a:rPr>
+                  <a:t>5</a:t>
+                </a:r>
+              </a:p>
+            </p:txBody>
+          </p:sp>
+          <p:sp>
+            <p:nvSpPr>
+              <p:cNvPr id="35" name="Tekstvak 34">
+                <a:extLst>
+                  <a:ext uri="{FF2B5EF4-FFF2-40B4-BE49-F238E27FC236}">
+                    <a16:creationId xmlns:a16="http://schemas.microsoft.com/office/drawing/2014/main" id="{0F5BD60B-1D93-4C57-817E-3E4DD6F13C7D}"/>
+                  </a:ext>
+                </a:extLst>
+              </p:cNvPr>
+              <p:cNvSpPr txBox="1"/>
+              <p:nvPr/>
+            </p:nvSpPr>
+            <p:spPr>
+              <a:xfrm>
+                <a:off x="9012243" y="5996610"/>
+                <a:ext cx="450764" cy="307777"/>
+              </a:xfrm>
+              <a:prstGeom prst="rect">
+                <a:avLst/>
+              </a:prstGeom>
+              <a:noFill/>
+            </p:spPr>
+            <p:txBody>
+              <a:bodyPr wrap="none" rtlCol="0">
+                <a:spAutoFit/>
+              </a:bodyPr>
+              <a:lstStyle/>
+              <a:p>
+                <a:r>
+                  <a:rPr lang="nl-NL" sz="1400" dirty="0">
+                    <a:latin typeface="Arial" panose="020B0604020202020204" pitchFamily="34" charset="0"/>
+                    <a:cs typeface="Arial" panose="020B0604020202020204" pitchFamily="34" charset="0"/>
+                  </a:rPr>
+                  <a:t>10</a:t>
+                </a:r>
+                <a:r>
+                  <a:rPr lang="nl-NL" sz="1400" baseline="30000" dirty="0">
+                    <a:latin typeface="Arial" panose="020B0604020202020204" pitchFamily="34" charset="0"/>
+                    <a:cs typeface="Arial" panose="020B0604020202020204" pitchFamily="34" charset="0"/>
+                  </a:rPr>
+                  <a:t>6</a:t>
+                </a:r>
+              </a:p>
+            </p:txBody>
+          </p:sp>
+          <p:pic>
+            <p:nvPicPr>
+              <p:cNvPr id="4" name="Afbeelding 3">
+                <a:extLst>
+                  <a:ext uri="{FF2B5EF4-FFF2-40B4-BE49-F238E27FC236}">
+                    <a16:creationId xmlns:a16="http://schemas.microsoft.com/office/drawing/2014/main" id="{FBAA39DA-2448-4429-BAC7-22F0E2DC1B63}"/>
+                  </a:ext>
+                </a:extLst>
+              </p:cNvPr>
+              <p:cNvPicPr>
+                <a:picLocks noChangeAspect="1"/>
+              </p:cNvPicPr>
+              <p:nvPr/>
+            </p:nvPicPr>
+            <p:blipFill rotWithShape="1">
+              <a:blip r:embed="rId4"/>
+              <a:srcRect t="2026" b="29368"/>
+              <a:stretch/>
+            </p:blipFill>
+            <p:spPr>
+              <a:xfrm>
+                <a:off x="4064403" y="3688295"/>
+                <a:ext cx="5529083" cy="2274617"/>
+              </a:xfrm>
+              <a:prstGeom prst="rect">
+                <a:avLst/>
+              </a:prstGeom>
+            </p:spPr>
+          </p:pic>
+        </p:grpSp>
+        <p:pic>
+          <p:nvPicPr>
+            <p:cNvPr id="1026" name="Picture 2" descr="https://latex.codecogs.com/gif.latex?%5Cdpi%7B300%7D%20%5Clarge%20%5Ctext%7BE%7D%5B%5Ctheta%28t%29%5D%20-%20%5Ctheta%28t%29">
+              <a:extLst>
+                <a:ext uri="{FF2B5EF4-FFF2-40B4-BE49-F238E27FC236}">
+                  <a16:creationId xmlns:a16="http://schemas.microsoft.com/office/drawing/2014/main" id="{28373277-1035-4531-BB5E-8CFFF0A0F968}"/>
+                </a:ext>
+              </a:extLst>
+            </p:cNvPr>
+            <p:cNvPicPr>
+              <a:picLocks noChangeAspect="1" noChangeArrowheads="1"/>
+            </p:cNvPicPr>
+            <p:nvPr/>
+          </p:nvPicPr>
+          <p:blipFill>
+            <a:blip r:embed="rId5">
+              <a:extLst>
+                <a:ext uri="{28A0092B-C50C-407E-A947-70E740481C1C}">
+                  <a14:useLocalDpi xmlns:a14="http://schemas.microsoft.com/office/drawing/2010/main" val="0"/>
+                </a:ext>
+              </a:extLst>
+            </a:blip>
+            <a:srcRect/>
+            <a:stretch>
+              <a:fillRect/>
+            </a:stretch>
+          </p:blipFill>
+          <p:spPr bwMode="auto">
+            <a:xfrm rot="16200000">
+              <a:off x="3384482" y="4255581"/>
+              <a:ext cx="1000459" cy="185495"/>
+            </a:xfrm>
+            <a:prstGeom prst="rect">
+              <a:avLst/>
+            </a:prstGeom>
+            <a:noFill/>
+            <a:extLst>
+              <a:ext uri="{909E8E84-426E-40DD-AFC4-6F175D3DCCD1}">
+                <a14:hiddenFill xmlns:a14="http://schemas.microsoft.com/office/drawing/2010/main">
+                  <a:solidFill>
+                    <a:srgbClr val="FFFFFF"/>
+                  </a:solidFill>
+                </a14:hiddenFill>
+              </a:ext>
+            </a:extLst>
+          </p:spPr>
+        </p:pic>
+        <p:pic>
+          <p:nvPicPr>
+            <p:cNvPr id="1028" name="Picture 4" descr="https://latex.codecogs.com/gif.latex?%5Cdpi%7B300%7D%20%5Clarge%20%5Ctheta%28t%29">
+              <a:extLst>
+                <a:ext uri="{FF2B5EF4-FFF2-40B4-BE49-F238E27FC236}">
+                  <a16:creationId xmlns:a16="http://schemas.microsoft.com/office/drawing/2014/main" id="{8099776B-9D5C-4F35-AEE5-ED2B8FF5FC9E}"/>
+                </a:ext>
+              </a:extLst>
+            </p:cNvPr>
+            <p:cNvPicPr>
+              <a:picLocks noChangeAspect="1" noChangeArrowheads="1"/>
+            </p:cNvPicPr>
+            <p:nvPr/>
+          </p:nvPicPr>
+          <p:blipFill>
+            <a:blip r:embed="rId6">
+              <a:extLst>
+                <a:ext uri="{28A0092B-C50C-407E-A947-70E740481C1C}">
+                  <a14:useLocalDpi xmlns:a14="http://schemas.microsoft.com/office/drawing/2010/main" val="0"/>
+                </a:ext>
+              </a:extLst>
+            </a:blip>
+            <a:srcRect/>
+            <a:stretch>
+              <a:fillRect/>
+            </a:stretch>
+          </p:blipFill>
+          <p:spPr bwMode="auto">
+            <a:xfrm>
+              <a:off x="3734619" y="1895475"/>
+              <a:ext cx="329784" cy="228600"/>
+            </a:xfrm>
+            <a:prstGeom prst="rect">
+              <a:avLst/>
+            </a:prstGeom>
+            <a:noFill/>
+            <a:extLst>
+              <a:ext uri="{909E8E84-426E-40DD-AFC4-6F175D3DCCD1}">
+                <a14:hiddenFill xmlns:a14="http://schemas.microsoft.com/office/drawing/2010/main">
+                  <a:solidFill>
+                    <a:srgbClr val="FFFFFF"/>
+                  </a:solidFill>
+                </a14:hiddenFill>
+              </a:ext>
+            </a:extLst>
+          </p:spPr>
+        </p:pic>
+      </p:grpSp>
+    </p:spTree>
+    <p:extLst>
+      <p:ext uri="{BB962C8B-B14F-4D97-AF65-F5344CB8AC3E}">
+        <p14:creationId xmlns:p14="http://schemas.microsoft.com/office/powerpoint/2010/main" val="3150130966"/>
       </p:ext>
     </p:extLst>
   </p:cSld>

--- a/poster/sjoerd theory.pptx
+++ b/poster/sjoerd theory.pptx
@@ -6,12 +6,16 @@
   </p:sldMasterIdLst>
   <p:sldIdLst>
     <p:sldId id="256" r:id="rId2"/>
-    <p:sldId id="257" r:id="rId3"/>
-    <p:sldId id="258" r:id="rId4"/>
-    <p:sldId id="259" r:id="rId5"/>
+    <p:sldId id="260" r:id="rId3"/>
+    <p:sldId id="257" r:id="rId4"/>
+    <p:sldId id="258" r:id="rId5"/>
+    <p:sldId id="259" r:id="rId6"/>
+    <p:sldId id="261" r:id="rId7"/>
+    <p:sldId id="262" r:id="rId8"/>
+    <p:sldId id="263" r:id="rId9"/>
   </p:sldIdLst>
   <p:sldSz cx="12192000" cy="6858000"/>
-  <p:notesSz cx="6858000" cy="9144000"/>
+  <p:notesSz cx="7099300" cy="10234613"/>
   <p:defaultTextStyle>
     <a:defPPr>
       <a:defRPr lang="nl-NL"/>
@@ -262,7 +266,7 @@
           <a:p>
             <a:fld id="{F48B3F8A-F669-460C-979B-78733FAE83D7}" type="datetimeFigureOut">
               <a:rPr lang="nl-NL" smtClean="0"/>
-              <a:t>22-4-2018</a:t>
+              <a:t>24-4-2018</a:t>
             </a:fld>
             <a:endParaRPr lang="nl-NL"/>
           </a:p>
@@ -460,7 +464,7 @@
           <a:p>
             <a:fld id="{F48B3F8A-F669-460C-979B-78733FAE83D7}" type="datetimeFigureOut">
               <a:rPr lang="nl-NL" smtClean="0"/>
-              <a:t>22-4-2018</a:t>
+              <a:t>24-4-2018</a:t>
             </a:fld>
             <a:endParaRPr lang="nl-NL"/>
           </a:p>
@@ -668,7 +672,7 @@
           <a:p>
             <a:fld id="{F48B3F8A-F669-460C-979B-78733FAE83D7}" type="datetimeFigureOut">
               <a:rPr lang="nl-NL" smtClean="0"/>
-              <a:t>22-4-2018</a:t>
+              <a:t>24-4-2018</a:t>
             </a:fld>
             <a:endParaRPr lang="nl-NL"/>
           </a:p>
@@ -866,7 +870,7 @@
           <a:p>
             <a:fld id="{F48B3F8A-F669-460C-979B-78733FAE83D7}" type="datetimeFigureOut">
               <a:rPr lang="nl-NL" smtClean="0"/>
-              <a:t>22-4-2018</a:t>
+              <a:t>24-4-2018</a:t>
             </a:fld>
             <a:endParaRPr lang="nl-NL"/>
           </a:p>
@@ -1141,7 +1145,7 @@
           <a:p>
             <a:fld id="{F48B3F8A-F669-460C-979B-78733FAE83D7}" type="datetimeFigureOut">
               <a:rPr lang="nl-NL" smtClean="0"/>
-              <a:t>22-4-2018</a:t>
+              <a:t>24-4-2018</a:t>
             </a:fld>
             <a:endParaRPr lang="nl-NL"/>
           </a:p>
@@ -1406,7 +1410,7 @@
           <a:p>
             <a:fld id="{F48B3F8A-F669-460C-979B-78733FAE83D7}" type="datetimeFigureOut">
               <a:rPr lang="nl-NL" smtClean="0"/>
-              <a:t>22-4-2018</a:t>
+              <a:t>24-4-2018</a:t>
             </a:fld>
             <a:endParaRPr lang="nl-NL"/>
           </a:p>
@@ -1818,7 +1822,7 @@
           <a:p>
             <a:fld id="{F48B3F8A-F669-460C-979B-78733FAE83D7}" type="datetimeFigureOut">
               <a:rPr lang="nl-NL" smtClean="0"/>
-              <a:t>22-4-2018</a:t>
+              <a:t>24-4-2018</a:t>
             </a:fld>
             <a:endParaRPr lang="nl-NL"/>
           </a:p>
@@ -1959,7 +1963,7 @@
           <a:p>
             <a:fld id="{F48B3F8A-F669-460C-979B-78733FAE83D7}" type="datetimeFigureOut">
               <a:rPr lang="nl-NL" smtClean="0"/>
-              <a:t>22-4-2018</a:t>
+              <a:t>24-4-2018</a:t>
             </a:fld>
             <a:endParaRPr lang="nl-NL"/>
           </a:p>
@@ -2072,7 +2076,7 @@
           <a:p>
             <a:fld id="{F48B3F8A-F669-460C-979B-78733FAE83D7}" type="datetimeFigureOut">
               <a:rPr lang="nl-NL" smtClean="0"/>
-              <a:t>22-4-2018</a:t>
+              <a:t>24-4-2018</a:t>
             </a:fld>
             <a:endParaRPr lang="nl-NL"/>
           </a:p>
@@ -2383,7 +2387,7 @@
           <a:p>
             <a:fld id="{F48B3F8A-F669-460C-979B-78733FAE83D7}" type="datetimeFigureOut">
               <a:rPr lang="nl-NL" smtClean="0"/>
-              <a:t>22-4-2018</a:t>
+              <a:t>24-4-2018</a:t>
             </a:fld>
             <a:endParaRPr lang="nl-NL"/>
           </a:p>
@@ -2671,7 +2675,7 @@
           <a:p>
             <a:fld id="{F48B3F8A-F669-460C-979B-78733FAE83D7}" type="datetimeFigureOut">
               <a:rPr lang="nl-NL" smtClean="0"/>
-              <a:t>22-4-2018</a:t>
+              <a:t>24-4-2018</a:t>
             </a:fld>
             <a:endParaRPr lang="nl-NL"/>
           </a:p>
@@ -2912,7 +2916,7 @@
           <a:p>
             <a:fld id="{F48B3F8A-F669-460C-979B-78733FAE83D7}" type="datetimeFigureOut">
               <a:rPr lang="nl-NL" smtClean="0"/>
-              <a:t>22-4-2018</a:t>
+              <a:t>24-4-2018</a:t>
             </a:fld>
             <a:endParaRPr lang="nl-NL"/>
           </a:p>
@@ -3329,8 +3333,8 @@
           <a:chExt cx="0" cy="0"/>
         </a:xfrm>
       </p:grpSpPr>
-      <mc:AlternateContent xmlns:mc="http://schemas.openxmlformats.org/markup-compatibility/2006" xmlns:a14="http://schemas.microsoft.com/office/drawing/2010/main">
-        <mc:Choice Requires="a14">
+      <mc:AlternateContent xmlns:mc="http://schemas.openxmlformats.org/markup-compatibility/2006">
+        <mc:Choice xmlns:a14="http://schemas.microsoft.com/office/drawing/2010/main" Requires="a14">
           <p:sp>
             <p:nvSpPr>
               <p:cNvPr id="4" name="Tekstvak 3">
@@ -3447,7 +3451,7 @@
                   <a:rPr lang="nl-NL" sz="1400" dirty="0">
                     <a:latin typeface="Georgia" panose="02040502050405020303" pitchFamily="18" charset="0"/>
                   </a:rPr>
-                  <a:t> a Cassie-Baxter like model [1] </a:t>
+                  <a:t> a Cassie-Baxter [1] like model </a:t>
                 </a:r>
                 <a:r>
                   <a:rPr lang="nl-NL" sz="1400" dirty="0" err="1">
@@ -3888,7 +3892,7 @@
                   <a:rPr lang="nl-NL" sz="1400" dirty="0">
                     <a:latin typeface="Georgia" panose="02040502050405020303" pitchFamily="18" charset="0"/>
                   </a:rPr>
-                  <a:t>, we pose [2]</a:t>
+                  <a:t>, we pose</a:t>
                 </a:r>
               </a:p>
               <a:p>
@@ -4210,43 +4214,31 @@
                   <a:rPr lang="nl-NL" sz="1400" dirty="0">
                     <a:latin typeface="Georgia" panose="02040502050405020303" pitchFamily="18" charset="0"/>
                   </a:rPr>
-                  <a:t> the equilibrium </a:t>
+                  <a:t> a </a:t>
                 </a:r>
                 <a:r>
                   <a:rPr lang="nl-NL" sz="1400" dirty="0" err="1">
                     <a:latin typeface="Georgia" panose="02040502050405020303" pitchFamily="18" charset="0"/>
                   </a:rPr>
-                  <a:t>surface</a:t>
+                  <a:t>Langmuir</a:t>
                 </a:r>
                 <a:r>
                   <a:rPr lang="nl-NL" sz="1400" dirty="0">
                     <a:latin typeface="Georgia" panose="02040502050405020303" pitchFamily="18" charset="0"/>
                   </a:rPr>
-                  <a:t> </a:t>
-                </a:r>
-                <a:r>
-                  <a:rPr lang="nl-NL" sz="1400" dirty="0" err="1">
-                    <a:latin typeface="Georgia" panose="02040502050405020303" pitchFamily="18" charset="0"/>
-                  </a:rPr>
-                  <a:t>coverage</a:t>
+                  <a:t> parameter (m</a:t>
+                </a:r>
+                <a:r>
+                  <a:rPr lang="nl-NL" sz="1400" baseline="30000" dirty="0">
+                    <a:latin typeface="Georgia" panose="02040502050405020303" pitchFamily="18" charset="0"/>
+                  </a:rPr>
+                  <a:t>-2</a:t>
                 </a:r>
                 <a:r>
                   <a:rPr lang="nl-NL" sz="1400" dirty="0">
                     <a:latin typeface="Georgia" panose="02040502050405020303" pitchFamily="18" charset="0"/>
                   </a:rPr>
-                  <a:t> (m</a:t>
-                </a:r>
-                <a:r>
-                  <a:rPr lang="nl-NL" sz="1400" baseline="30000" dirty="0">
-                    <a:latin typeface="Georgia" panose="02040502050405020303" pitchFamily="18" charset="0"/>
-                  </a:rPr>
-                  <a:t>-2</a:t>
-                </a:r>
-                <a:r>
-                  <a:rPr lang="nl-NL" sz="1400" dirty="0">
-                    <a:latin typeface="Georgia" panose="02040502050405020303" pitchFamily="18" charset="0"/>
-                  </a:rPr>
-                  <a:t>).</a:t>
+                  <a:t>) [2].</a:t>
                 </a:r>
               </a:p>
               <a:p>
@@ -4257,7 +4249,7 @@
             </p:txBody>
           </p:sp>
         </mc:Choice>
-        <mc:Fallback xmlns="">
+        <mc:Fallback>
           <p:sp>
             <p:nvSpPr>
               <p:cNvPr id="4" name="Tekstvak 3">
@@ -4283,7 +4275,7 @@
               <a:blipFill>
                 <a:blip r:embed="rId2"/>
                 <a:stretch>
-                  <a:fillRect l="-318" t="-524" r="-106"/>
+                  <a:fillRect l="-318" t="-524"/>
                 </a:stretch>
               </a:blipFill>
             </p:spPr>
@@ -4499,6 +4491,116 @@
 </file>
 
 <file path=ppt/slides/slide2.xml><?xml version="1.0" encoding="utf-8"?>
+<p:sld xmlns:a="http://schemas.openxmlformats.org/drawingml/2006/main" xmlns:r="http://schemas.openxmlformats.org/officeDocument/2006/relationships" xmlns:p="http://schemas.openxmlformats.org/presentationml/2006/main">
+  <p:cSld>
+    <p:spTree>
+      <p:nvGrpSpPr>
+        <p:cNvPr id="1" name=""/>
+        <p:cNvGrpSpPr/>
+        <p:nvPr/>
+      </p:nvGrpSpPr>
+      <p:grpSpPr>
+        <a:xfrm>
+          <a:off x="0" y="0"/>
+          <a:ext cx="0" cy="0"/>
+          <a:chOff x="0" y="0"/>
+          <a:chExt cx="0" cy="0"/>
+        </a:xfrm>
+      </p:grpSpPr>
+      <p:sp>
+        <p:nvSpPr>
+          <p:cNvPr id="2" name="Titel 1">
+            <a:extLst>
+              <a:ext uri="{FF2B5EF4-FFF2-40B4-BE49-F238E27FC236}">
+                <a16:creationId xmlns:a16="http://schemas.microsoft.com/office/drawing/2014/main" id="{4E8C37CD-9C1B-4BD3-B82D-E667AF98281C}"/>
+              </a:ext>
+            </a:extLst>
+          </p:cNvPr>
+          <p:cNvSpPr>
+            <a:spLocks noGrp="1"/>
+          </p:cNvSpPr>
+          <p:nvPr>
+            <p:ph type="title"/>
+          </p:nvPr>
+        </p:nvSpPr>
+        <p:spPr/>
+        <p:txBody>
+          <a:bodyPr/>
+          <a:lstStyle/>
+          <a:p>
+            <a:endParaRPr lang="nl-NL"/>
+          </a:p>
+        </p:txBody>
+      </p:sp>
+      <p:sp>
+        <p:nvSpPr>
+          <p:cNvPr id="3" name="Tijdelijke aanduiding voor inhoud 2">
+            <a:extLst>
+              <a:ext uri="{FF2B5EF4-FFF2-40B4-BE49-F238E27FC236}">
+                <a16:creationId xmlns:a16="http://schemas.microsoft.com/office/drawing/2014/main" id="{C48D93B3-FD4A-4FC5-9855-66D2D788199E}"/>
+              </a:ext>
+            </a:extLst>
+          </p:cNvPr>
+          <p:cNvSpPr>
+            <a:spLocks noGrp="1"/>
+          </p:cNvSpPr>
+          <p:nvPr>
+            <p:ph idx="1"/>
+          </p:nvPr>
+        </p:nvSpPr>
+        <p:spPr/>
+        <p:txBody>
+          <a:bodyPr/>
+          <a:lstStyle/>
+          <a:p>
+            <a:endParaRPr lang="nl-NL" dirty="0"/>
+          </a:p>
+        </p:txBody>
+      </p:sp>
+      <p:pic>
+        <p:nvPicPr>
+          <p:cNvPr id="4" name="Afbeelding 3">
+            <a:extLst>
+              <a:ext uri="{FF2B5EF4-FFF2-40B4-BE49-F238E27FC236}">
+                <a16:creationId xmlns:a16="http://schemas.microsoft.com/office/drawing/2014/main" id="{BAF1B399-EF69-490D-912D-BEBF35E901F8}"/>
+              </a:ext>
+            </a:extLst>
+          </p:cNvPr>
+          <p:cNvPicPr>
+            <a:picLocks noChangeAspect="1"/>
+          </p:cNvPicPr>
+          <p:nvPr/>
+        </p:nvPicPr>
+        <p:blipFill>
+          <a:blip r:embed="rId2"/>
+          <a:stretch>
+            <a:fillRect/>
+          </a:stretch>
+        </p:blipFill>
+        <p:spPr>
+          <a:xfrm>
+            <a:off x="1979481" y="0"/>
+            <a:ext cx="8233038" cy="6858000"/>
+          </a:xfrm>
+          <a:prstGeom prst="rect">
+            <a:avLst/>
+          </a:prstGeom>
+        </p:spPr>
+      </p:pic>
+    </p:spTree>
+    <p:extLst>
+      <p:ext uri="{BB962C8B-B14F-4D97-AF65-F5344CB8AC3E}">
+        <p14:creationId xmlns:p14="http://schemas.microsoft.com/office/powerpoint/2010/main" val="776597831"/>
+      </p:ext>
+    </p:extLst>
+  </p:cSld>
+  <p:clrMapOvr>
+    <a:masterClrMapping/>
+  </p:clrMapOvr>
+</p:sld>
+</file>
+
+<file path=ppt/slides/slide3.xml><?xml version="1.0" encoding="utf-8"?>
 <p:sld xmlns:a="http://schemas.openxmlformats.org/drawingml/2006/main" xmlns:r="http://schemas.openxmlformats.org/officeDocument/2006/relationships" xmlns:p="http://schemas.openxmlformats.org/presentationml/2006/main">
   <p:cSld>
     <p:spTree>
@@ -5184,7 +5286,7 @@
 </p:sld>
 </file>
 
-<file path=ppt/slides/slide3.xml><?xml version="1.0" encoding="utf-8"?>
+<file path=ppt/slides/slide4.xml><?xml version="1.0" encoding="utf-8"?>
 <p:sld xmlns:a="http://schemas.openxmlformats.org/drawingml/2006/main" xmlns:r="http://schemas.openxmlformats.org/officeDocument/2006/relationships" xmlns:p="http://schemas.openxmlformats.org/presentationml/2006/main">
   <p:cSld>
     <p:spTree>
@@ -6259,7 +6361,7 @@
 </p:sld>
 </file>
 
-<file path=ppt/slides/slide4.xml><?xml version="1.0" encoding="utf-8"?>
+<file path=ppt/slides/slide5.xml><?xml version="1.0" encoding="utf-8"?>
 <p:sld xmlns:a="http://schemas.openxmlformats.org/drawingml/2006/main" xmlns:r="http://schemas.openxmlformats.org/officeDocument/2006/relationships" xmlns:p="http://schemas.openxmlformats.org/presentationml/2006/main">
   <p:cSld>
     <p:spTree>
@@ -6276,47 +6378,12 @@
           <a:chExt cx="0" cy="0"/>
         </a:xfrm>
       </p:grpSpPr>
-      <p:sp>
-        <p:nvSpPr>
-          <p:cNvPr id="19" name="Tekstvak 18">
+      <p:grpSp>
+        <p:nvGrpSpPr>
+          <p:cNvPr id="6" name="Groep 5">
             <a:extLst>
               <a:ext uri="{FF2B5EF4-FFF2-40B4-BE49-F238E27FC236}">
-                <a16:creationId xmlns:a16="http://schemas.microsoft.com/office/drawing/2014/main" id="{3890BCB6-1FB7-4FFB-9045-44AC4F0E7798}"/>
-              </a:ext>
-            </a:extLst>
-          </p:cNvPr>
-          <p:cNvSpPr txBox="1"/>
-          <p:nvPr/>
-        </p:nvSpPr>
-        <p:spPr>
-          <a:xfrm>
-            <a:off x="6053670" y="219990"/>
-            <a:ext cx="1513043" cy="369332"/>
-          </a:xfrm>
-          <a:prstGeom prst="rect">
-            <a:avLst/>
-          </a:prstGeom>
-          <a:noFill/>
-        </p:spPr>
-        <p:txBody>
-          <a:bodyPr wrap="none" rtlCol="0">
-            <a:spAutoFit/>
-          </a:bodyPr>
-          <a:lstStyle/>
-          <a:p>
-            <a:r>
-              <a:rPr lang="nl-NL" dirty="0"/>
-              <a:t>Nieuwe fitting</a:t>
-            </a:r>
-          </a:p>
-        </p:txBody>
-      </p:sp>
-      <p:grpSp>
-        <p:nvGrpSpPr>
-          <p:cNvPr id="26" name="Groep 25">
-            <a:extLst>
-              <a:ext uri="{FF2B5EF4-FFF2-40B4-BE49-F238E27FC236}">
-                <a16:creationId xmlns:a16="http://schemas.microsoft.com/office/drawing/2014/main" id="{FFB85681-E8AA-49A6-A226-F6058C5B469F}"/>
+                <a16:creationId xmlns:a16="http://schemas.microsoft.com/office/drawing/2014/main" id="{B8438B7D-126E-49EA-9857-E5F1391E698C}"/>
               </a:ext>
             </a:extLst>
           </p:cNvPr>
@@ -6325,10 +6392,10 @@
         </p:nvGrpSpPr>
         <p:grpSpPr>
           <a:xfrm>
-            <a:off x="3734619" y="848505"/>
-            <a:ext cx="5858867" cy="5571526"/>
-            <a:chOff x="3734619" y="848505"/>
-            <a:chExt cx="5858867" cy="5571526"/>
+            <a:off x="951324" y="736362"/>
+            <a:ext cx="5858867" cy="5002184"/>
+            <a:chOff x="951324" y="736362"/>
+            <a:chExt cx="5858867" cy="5002184"/>
           </a:xfrm>
         </p:grpSpPr>
         <p:pic>
@@ -6352,7 +6419,7 @@
           </p:blipFill>
           <p:spPr>
             <a:xfrm>
-              <a:off x="4064403" y="848505"/>
+              <a:off x="1281108" y="736362"/>
               <a:ext cx="5529083" cy="2321201"/>
             </a:xfrm>
             <a:prstGeom prst="rect">
@@ -6374,10 +6441,10 @@
           </p:nvGrpSpPr>
           <p:grpSpPr>
             <a:xfrm>
-              <a:off x="5589040" y="5853488"/>
-              <a:ext cx="2965922" cy="566543"/>
-              <a:chOff x="4181370" y="5089710"/>
-              <a:chExt cx="3659479" cy="699025"/>
+              <a:off x="2805745" y="5118347"/>
+              <a:ext cx="2965922" cy="620199"/>
+              <a:chOff x="4181370" y="5023507"/>
+              <a:chExt cx="3659479" cy="765228"/>
             </a:xfrm>
           </p:grpSpPr>
           <p:pic>
@@ -6409,7 +6476,7 @@
             </p:blipFill>
             <p:spPr bwMode="auto">
               <a:xfrm>
-                <a:off x="5223213" y="5089710"/>
+                <a:off x="5246717" y="5023507"/>
                 <a:ext cx="1316648" cy="287758"/>
               </a:xfrm>
               <a:prstGeom prst="rect">
@@ -6919,10 +6986,10 @@
           </p:nvGrpSpPr>
           <p:grpSpPr>
             <a:xfrm>
-              <a:off x="4064403" y="3203698"/>
-              <a:ext cx="5529083" cy="2617383"/>
-              <a:chOff x="4064403" y="3688295"/>
-              <a:chExt cx="5529083" cy="2617383"/>
+              <a:off x="1570104" y="4692415"/>
+              <a:ext cx="5128658" cy="309068"/>
+              <a:chOff x="4353399" y="5289155"/>
+              <a:chExt cx="5128658" cy="309068"/>
             </a:xfrm>
           </p:grpSpPr>
           <p:sp>
@@ -6939,8 +7006,8 @@
             </p:nvSpPr>
             <p:spPr>
               <a:xfrm>
-                <a:off x="4334349" y="5997901"/>
-                <a:ext cx="433132" cy="307777"/>
+                <a:off x="4353399" y="5290446"/>
+                <a:ext cx="490840" cy="307777"/>
               </a:xfrm>
               <a:prstGeom prst="rect">
                 <a:avLst/>
@@ -6958,7 +7025,14 @@
                     <a:latin typeface="Arial" panose="020B0604020202020204" pitchFamily="34" charset="0"/>
                     <a:cs typeface="Arial" panose="020B0604020202020204" pitchFamily="34" charset="0"/>
                   </a:rPr>
-                  <a:t>0.1</a:t>
+                  <a:t>10</a:t>
+                </a:r>
+                <a:r>
+                  <a:rPr lang="nl-NL" sz="1400" baseline="30000" dirty="0">
+                    <a:latin typeface="Arial" panose="020B0604020202020204" pitchFamily="34" charset="0"/>
+                    <a:cs typeface="Arial" panose="020B0604020202020204" pitchFamily="34" charset="0"/>
+                  </a:rPr>
+                  <a:t>-1</a:t>
                 </a:r>
               </a:p>
             </p:txBody>
@@ -6977,8 +7051,8 @@
             </p:nvSpPr>
             <p:spPr>
               <a:xfrm>
-                <a:off x="5090493" y="5997901"/>
-                <a:ext cx="284052" cy="307777"/>
+                <a:off x="5052592" y="5290446"/>
+                <a:ext cx="450764" cy="307777"/>
               </a:xfrm>
               <a:prstGeom prst="rect">
                 <a:avLst/>
@@ -6996,12 +7070,15 @@
                     <a:latin typeface="Arial" panose="020B0604020202020204" pitchFamily="34" charset="0"/>
                     <a:cs typeface="Arial" panose="020B0604020202020204" pitchFamily="34" charset="0"/>
                   </a:rPr>
-                  <a:t>1</a:t>
-                </a:r>
-                <a:endParaRPr lang="nl-NL" sz="1400" baseline="30000" dirty="0">
-                  <a:latin typeface="Arial" panose="020B0604020202020204" pitchFamily="34" charset="0"/>
-                  <a:cs typeface="Arial" panose="020B0604020202020204" pitchFamily="34" charset="0"/>
-                </a:endParaRPr>
+                  <a:t>10</a:t>
+                </a:r>
+                <a:r>
+                  <a:rPr lang="nl-NL" sz="1400" baseline="30000" dirty="0">
+                    <a:latin typeface="Arial" panose="020B0604020202020204" pitchFamily="34" charset="0"/>
+                    <a:cs typeface="Arial" panose="020B0604020202020204" pitchFamily="34" charset="0"/>
+                  </a:rPr>
+                  <a:t>0</a:t>
+                </a:r>
               </a:p>
             </p:txBody>
           </p:sp>
@@ -7019,7 +7096,7 @@
             </p:nvSpPr>
             <p:spPr>
               <a:xfrm>
-                <a:off x="5716792" y="5997901"/>
+                <a:off x="5735842" y="5290446"/>
                 <a:ext cx="383438" cy="307777"/>
               </a:xfrm>
               <a:prstGeom prst="rect">
@@ -7061,7 +7138,7 @@
             </p:nvSpPr>
             <p:spPr>
               <a:xfrm>
-                <a:off x="6359428" y="5996610"/>
+                <a:off x="6378478" y="5289155"/>
                 <a:ext cx="450764" cy="307777"/>
               </a:xfrm>
               <a:prstGeom prst="rect">
@@ -7106,7 +7183,7 @@
             </p:nvSpPr>
             <p:spPr>
               <a:xfrm>
-                <a:off x="7042678" y="5996610"/>
+                <a:off x="7061728" y="5289155"/>
                 <a:ext cx="450764" cy="307777"/>
               </a:xfrm>
               <a:prstGeom prst="rect">
@@ -7151,7 +7228,7 @@
             </p:nvSpPr>
             <p:spPr>
               <a:xfrm>
-                <a:off x="7725927" y="5996610"/>
+                <a:off x="7744977" y="5289155"/>
                 <a:ext cx="450764" cy="307777"/>
               </a:xfrm>
               <a:prstGeom prst="rect">
@@ -7196,7 +7273,7 @@
             </p:nvSpPr>
             <p:spPr>
               <a:xfrm>
-                <a:off x="8328993" y="5997434"/>
+                <a:off x="8348043" y="5289979"/>
                 <a:ext cx="450764" cy="307777"/>
               </a:xfrm>
               <a:prstGeom prst="rect">
@@ -7241,7 +7318,7 @@
             </p:nvSpPr>
             <p:spPr>
               <a:xfrm>
-                <a:off x="9012243" y="5996610"/>
+                <a:off x="9031293" y="5289155"/>
                 <a:ext cx="450764" cy="307777"/>
               </a:xfrm>
               <a:prstGeom prst="rect">
@@ -7272,35 +7349,6 @@
               </a:p>
             </p:txBody>
           </p:sp>
-          <p:pic>
-            <p:nvPicPr>
-              <p:cNvPr id="4" name="Afbeelding 3">
-                <a:extLst>
-                  <a:ext uri="{FF2B5EF4-FFF2-40B4-BE49-F238E27FC236}">
-                    <a16:creationId xmlns:a16="http://schemas.microsoft.com/office/drawing/2014/main" id="{FBAA39DA-2448-4429-BAC7-22F0E2DC1B63}"/>
-                  </a:ext>
-                </a:extLst>
-              </p:cNvPr>
-              <p:cNvPicPr>
-                <a:picLocks noChangeAspect="1"/>
-              </p:cNvPicPr>
-              <p:nvPr/>
-            </p:nvPicPr>
-            <p:blipFill rotWithShape="1">
-              <a:blip r:embed="rId4"/>
-              <a:srcRect t="2026" b="29368"/>
-              <a:stretch/>
-            </p:blipFill>
-            <p:spPr>
-              <a:xfrm>
-                <a:off x="4064403" y="3688295"/>
-                <a:ext cx="5529083" cy="2274617"/>
-              </a:xfrm>
-              <a:prstGeom prst="rect">
-                <a:avLst/>
-              </a:prstGeom>
-            </p:spPr>
-          </p:pic>
         </p:grpSp>
         <p:pic>
           <p:nvPicPr>
@@ -7317,7 +7365,7 @@
             <p:nvPr/>
           </p:nvPicPr>
           <p:blipFill>
-            <a:blip r:embed="rId5">
+            <a:blip r:embed="rId4">
               <a:extLst>
                 <a:ext uri="{28A0092B-C50C-407E-A947-70E740481C1C}">
                   <a14:useLocalDpi xmlns:a14="http://schemas.microsoft.com/office/drawing/2010/main" val="0"/>
@@ -7331,7 +7379,7 @@
           </p:blipFill>
           <p:spPr bwMode="auto">
             <a:xfrm rot="16200000">
-              <a:off x="3384482" y="4255581"/>
+              <a:off x="601187" y="3836482"/>
               <a:ext cx="1000459" cy="185495"/>
             </a:xfrm>
             <a:prstGeom prst="rect">
@@ -7364,7 +7412,7 @@
             <p:nvPr/>
           </p:nvPicPr>
           <p:blipFill>
-            <a:blip r:embed="rId6">
+            <a:blip r:embed="rId5">
               <a:extLst>
                 <a:ext uri="{28A0092B-C50C-407E-A947-70E740481C1C}">
                   <a14:useLocalDpi xmlns:a14="http://schemas.microsoft.com/office/drawing/2010/main" val="0"/>
@@ -7378,7 +7426,7 @@
           </p:blipFill>
           <p:spPr bwMode="auto">
             <a:xfrm>
-              <a:off x="3734619" y="1895475"/>
+              <a:off x="951324" y="1783332"/>
               <a:ext cx="329784" cy="228600"/>
             </a:xfrm>
             <a:prstGeom prst="rect">
@@ -7396,11 +7444,1469 @@
             </a:extLst>
           </p:spPr>
         </p:pic>
+        <p:pic>
+          <p:nvPicPr>
+            <p:cNvPr id="5" name="Afbeelding 4">
+              <a:extLst>
+                <a:ext uri="{FF2B5EF4-FFF2-40B4-BE49-F238E27FC236}">
+                  <a16:creationId xmlns:a16="http://schemas.microsoft.com/office/drawing/2014/main" id="{51A83B25-B5C6-4F59-B916-DD96490A6F88}"/>
+                </a:ext>
+              </a:extLst>
+            </p:cNvPr>
+            <p:cNvPicPr>
+              <a:picLocks noChangeAspect="1"/>
+            </p:cNvPicPr>
+            <p:nvPr/>
+          </p:nvPicPr>
+          <p:blipFill rotWithShape="1">
+            <a:blip r:embed="rId6"/>
+            <a:srcRect t="1551" b="50116"/>
+            <a:stretch/>
+          </p:blipFill>
+          <p:spPr>
+            <a:xfrm>
+              <a:off x="1281108" y="3091261"/>
+              <a:ext cx="5529083" cy="1602445"/>
+            </a:xfrm>
+            <a:prstGeom prst="rect">
+              <a:avLst/>
+            </a:prstGeom>
+          </p:spPr>
+        </p:pic>
       </p:grpSp>
     </p:spTree>
     <p:extLst>
       <p:ext uri="{BB962C8B-B14F-4D97-AF65-F5344CB8AC3E}">
         <p14:creationId xmlns:p14="http://schemas.microsoft.com/office/powerpoint/2010/main" val="3150130966"/>
+      </p:ext>
+    </p:extLst>
+  </p:cSld>
+  <p:clrMapOvr>
+    <a:masterClrMapping/>
+  </p:clrMapOvr>
+</p:sld>
+</file>
+
+<file path=ppt/slides/slide6.xml><?xml version="1.0" encoding="utf-8"?>
+<p:sld xmlns:a="http://schemas.openxmlformats.org/drawingml/2006/main" xmlns:r="http://schemas.openxmlformats.org/officeDocument/2006/relationships" xmlns:p="http://schemas.openxmlformats.org/presentationml/2006/main">
+  <p:cSld>
+    <p:spTree>
+      <p:nvGrpSpPr>
+        <p:cNvPr id="1" name=""/>
+        <p:cNvGrpSpPr/>
+        <p:nvPr/>
+      </p:nvGrpSpPr>
+      <p:grpSpPr>
+        <a:xfrm>
+          <a:off x="0" y="0"/>
+          <a:ext cx="0" cy="0"/>
+          <a:chOff x="0" y="0"/>
+          <a:chExt cx="0" cy="0"/>
+        </a:xfrm>
+      </p:grpSpPr>
+      <p:grpSp>
+        <p:nvGrpSpPr>
+          <p:cNvPr id="19" name="Groep 18">
+            <a:extLst>
+              <a:ext uri="{FF2B5EF4-FFF2-40B4-BE49-F238E27FC236}">
+                <a16:creationId xmlns:a16="http://schemas.microsoft.com/office/drawing/2014/main" id="{B894F0D8-BDAD-4B6B-9F88-CD0C8F024D25}"/>
+              </a:ext>
+            </a:extLst>
+          </p:cNvPr>
+          <p:cNvGrpSpPr/>
+          <p:nvPr/>
+        </p:nvGrpSpPr>
+        <p:grpSpPr>
+          <a:xfrm>
+            <a:off x="635000" y="261509"/>
+            <a:ext cx="7493000" cy="6206109"/>
+            <a:chOff x="951324" y="498934"/>
+            <a:chExt cx="5858867" cy="4852634"/>
+          </a:xfrm>
+        </p:grpSpPr>
+        <p:pic>
+          <p:nvPicPr>
+            <p:cNvPr id="4" name="Afbeelding 3">
+              <a:extLst>
+                <a:ext uri="{FF2B5EF4-FFF2-40B4-BE49-F238E27FC236}">
+                  <a16:creationId xmlns:a16="http://schemas.microsoft.com/office/drawing/2014/main" id="{6E819F7E-C858-4435-BD3F-D114A2B8AA9D}"/>
+                </a:ext>
+              </a:extLst>
+            </p:cNvPr>
+            <p:cNvPicPr>
+              <a:picLocks noChangeAspect="1"/>
+            </p:cNvPicPr>
+            <p:nvPr/>
+          </p:nvPicPr>
+          <p:blipFill rotWithShape="1">
+            <a:blip r:embed="rId2"/>
+            <a:srcRect b="29496"/>
+            <a:stretch/>
+          </p:blipFill>
+          <p:spPr>
+            <a:xfrm>
+              <a:off x="1281108" y="666700"/>
+              <a:ext cx="5529083" cy="2339635"/>
+            </a:xfrm>
+            <a:prstGeom prst="rect">
+              <a:avLst/>
+            </a:prstGeom>
+          </p:spPr>
+        </p:pic>
+        <p:grpSp>
+          <p:nvGrpSpPr>
+            <p:cNvPr id="17" name="Groep 16">
+              <a:extLst>
+                <a:ext uri="{FF2B5EF4-FFF2-40B4-BE49-F238E27FC236}">
+                  <a16:creationId xmlns:a16="http://schemas.microsoft.com/office/drawing/2014/main" id="{FCF684B7-3CAA-413D-8091-899AD0655ECF}"/>
+                </a:ext>
+              </a:extLst>
+            </p:cNvPr>
+            <p:cNvGrpSpPr/>
+            <p:nvPr/>
+          </p:nvGrpSpPr>
+          <p:grpSpPr>
+            <a:xfrm>
+              <a:off x="2706445" y="498934"/>
+              <a:ext cx="2887802" cy="4852634"/>
+              <a:chOff x="4058850" y="-676124"/>
+              <a:chExt cx="3563092" cy="5987389"/>
+            </a:xfrm>
+          </p:grpSpPr>
+          <p:pic>
+            <p:nvPicPr>
+              <p:cNvPr id="7" name="Afbeelding 6" descr="https://latex.codecogs.com/gif.latex?%5Cdpi%7B300%7D%20%5CLARGE%20t%20%5Ccdot%20c%5E2%20%5C%3B%20%5B%5Ctext%7Bsg%7D%5E2/%5Ctext%7BL%7D%5E%7B2%7D%5D">
+                <a:extLst>
+                  <a:ext uri="{FF2B5EF4-FFF2-40B4-BE49-F238E27FC236}">
+                    <a16:creationId xmlns:a16="http://schemas.microsoft.com/office/drawing/2014/main" id="{2EC20347-0599-4665-95E6-EF77E2A21FA9}"/>
+                  </a:ext>
+                </a:extLst>
+              </p:cNvPr>
+              <p:cNvPicPr>
+                <a:picLocks noChangeAspect="1" noChangeArrowheads="1"/>
+              </p:cNvPicPr>
+              <p:nvPr/>
+            </p:nvPicPr>
+            <p:blipFill>
+              <a:blip r:embed="rId3">
+                <a:extLst>
+                  <a:ext uri="{28A0092B-C50C-407E-A947-70E740481C1C}">
+                    <a14:useLocalDpi xmlns:a14="http://schemas.microsoft.com/office/drawing/2010/main" val="0"/>
+                  </a:ext>
+                </a:extLst>
+              </a:blip>
+              <a:srcRect/>
+              <a:stretch>
+                <a:fillRect/>
+              </a:stretch>
+            </p:blipFill>
+            <p:spPr bwMode="auto">
+              <a:xfrm>
+                <a:off x="5246717" y="5023507"/>
+                <a:ext cx="1316648" cy="287758"/>
+              </a:xfrm>
+              <a:prstGeom prst="rect">
+                <a:avLst/>
+              </a:prstGeom>
+              <a:noFill/>
+              <a:extLst>
+                <a:ext uri="{909E8E84-426E-40DD-AFC4-6F175D3DCCD1}">
+                  <a14:hiddenFill xmlns:a14="http://schemas.microsoft.com/office/drawing/2010/main">
+                    <a:solidFill>
+                      <a:srgbClr val="FFFFFF"/>
+                    </a:solidFill>
+                  </a14:hiddenFill>
+                </a:ext>
+              </a:extLst>
+            </p:spPr>
+          </p:pic>
+          <p:grpSp>
+            <p:nvGrpSpPr>
+              <p:cNvPr id="23" name="Groep 22">
+                <a:extLst>
+                  <a:ext uri="{FF2B5EF4-FFF2-40B4-BE49-F238E27FC236}">
+                    <a16:creationId xmlns:a16="http://schemas.microsoft.com/office/drawing/2014/main" id="{04C69006-1085-43EB-829C-2DE9E26EEE53}"/>
+                  </a:ext>
+                </a:extLst>
+              </p:cNvPr>
+              <p:cNvGrpSpPr/>
+              <p:nvPr/>
+            </p:nvGrpSpPr>
+            <p:grpSpPr>
+              <a:xfrm>
+                <a:off x="4058850" y="-676124"/>
+                <a:ext cx="3563092" cy="296930"/>
+                <a:chOff x="3661601" y="-465647"/>
+                <a:chExt cx="3563092" cy="296930"/>
+              </a:xfrm>
+            </p:grpSpPr>
+            <p:grpSp>
+              <p:nvGrpSpPr>
+                <p:cNvPr id="10" name="Groep 9">
+                  <a:extLst>
+                    <a:ext uri="{FF2B5EF4-FFF2-40B4-BE49-F238E27FC236}">
+                      <a16:creationId xmlns:a16="http://schemas.microsoft.com/office/drawing/2014/main" id="{7F9FBC6A-301C-42B1-8B70-A6305718985A}"/>
+                    </a:ext>
+                  </a:extLst>
+                </p:cNvPr>
+                <p:cNvGrpSpPr/>
+                <p:nvPr/>
+              </p:nvGrpSpPr>
+              <p:grpSpPr>
+                <a:xfrm>
+                  <a:off x="5538248" y="-465647"/>
+                  <a:ext cx="809030" cy="296930"/>
+                  <a:chOff x="3509200" y="-618047"/>
+                  <a:chExt cx="809030" cy="296930"/>
+                </a:xfrm>
+              </p:grpSpPr>
+              <p:sp>
+                <p:nvSpPr>
+                  <p:cNvPr id="8" name="Ovaal 7">
+                    <a:extLst>
+                      <a:ext uri="{FF2B5EF4-FFF2-40B4-BE49-F238E27FC236}">
+                        <a16:creationId xmlns:a16="http://schemas.microsoft.com/office/drawing/2014/main" id="{21D71338-245C-4011-8393-99153A030423}"/>
+                      </a:ext>
+                    </a:extLst>
+                  </p:cNvPr>
+                  <p:cNvSpPr/>
+                  <p:nvPr/>
+                </p:nvSpPr>
+                <p:spPr>
+                  <a:xfrm>
+                    <a:off x="3509200" y="-512493"/>
+                    <a:ext cx="103517" cy="103517"/>
+                  </a:xfrm>
+                  <a:prstGeom prst="ellipse">
+                    <a:avLst/>
+                  </a:prstGeom>
+                  <a:solidFill>
+                    <a:srgbClr val="E5A81C"/>
+                  </a:solidFill>
+                  <a:ln>
+                    <a:noFill/>
+                  </a:ln>
+                </p:spPr>
+                <p:style>
+                  <a:lnRef idx="2">
+                    <a:schemeClr val="accent1">
+                      <a:shade val="50000"/>
+                    </a:schemeClr>
+                  </a:lnRef>
+                  <a:fillRef idx="1">
+                    <a:schemeClr val="accent1"/>
+                  </a:fillRef>
+                  <a:effectRef idx="0">
+                    <a:schemeClr val="accent1"/>
+                  </a:effectRef>
+                  <a:fontRef idx="minor">
+                    <a:schemeClr val="lt1"/>
+                  </a:fontRef>
+                </p:style>
+                <p:txBody>
+                  <a:bodyPr rtlCol="0" anchor="ctr"/>
+                  <a:lstStyle/>
+                  <a:p>
+                    <a:pPr algn="ctr"/>
+                    <a:endParaRPr lang="nl-NL"/>
+                  </a:p>
+                </p:txBody>
+              </p:sp>
+              <p:sp>
+                <p:nvSpPr>
+                  <p:cNvPr id="9" name="Tekstvak 8">
+                    <a:extLst>
+                      <a:ext uri="{FF2B5EF4-FFF2-40B4-BE49-F238E27FC236}">
+                        <a16:creationId xmlns:a16="http://schemas.microsoft.com/office/drawing/2014/main" id="{D44E6708-F359-48D9-AD8C-DD72AC141B96}"/>
+                      </a:ext>
+                    </a:extLst>
+                  </p:cNvPr>
+                  <p:cNvSpPr txBox="1"/>
+                  <p:nvPr/>
+                </p:nvSpPr>
+                <p:spPr>
+                  <a:xfrm>
+                    <a:off x="3612714" y="-618047"/>
+                    <a:ext cx="705516" cy="296930"/>
+                  </a:xfrm>
+                  <a:prstGeom prst="rect">
+                    <a:avLst/>
+                  </a:prstGeom>
+                  <a:noFill/>
+                </p:spPr>
+                <p:txBody>
+                  <a:bodyPr wrap="none" rtlCol="0">
+                    <a:spAutoFit/>
+                  </a:bodyPr>
+                  <a:lstStyle/>
+                  <a:p>
+                    <a:r>
+                      <a:rPr lang="nl-NL" sz="1400" dirty="0">
+                        <a:latin typeface="Arial" panose="020B0604020202020204" pitchFamily="34" charset="0"/>
+                        <a:ea typeface="Verdana" panose="020B0604030504040204" pitchFamily="34" charset="0"/>
+                        <a:cs typeface="Arial" panose="020B0604020202020204" pitchFamily="34" charset="0"/>
+                      </a:rPr>
+                      <a:t>2.5 g/L</a:t>
+                    </a:r>
+                  </a:p>
+                </p:txBody>
+              </p:sp>
+            </p:grpSp>
+            <p:grpSp>
+              <p:nvGrpSpPr>
+                <p:cNvPr id="11" name="Groep 10">
+                  <a:extLst>
+                    <a:ext uri="{FF2B5EF4-FFF2-40B4-BE49-F238E27FC236}">
+                      <a16:creationId xmlns:a16="http://schemas.microsoft.com/office/drawing/2014/main" id="{1F52DA72-FE4D-4EF3-9291-879A43110468}"/>
+                    </a:ext>
+                  </a:extLst>
+                </p:cNvPr>
+                <p:cNvGrpSpPr/>
+                <p:nvPr/>
+              </p:nvGrpSpPr>
+              <p:grpSpPr>
+                <a:xfrm>
+                  <a:off x="4599925" y="-465647"/>
+                  <a:ext cx="809027" cy="296930"/>
+                  <a:chOff x="3509201" y="-618047"/>
+                  <a:chExt cx="809027" cy="296930"/>
+                </a:xfrm>
+              </p:grpSpPr>
+              <p:sp>
+                <p:nvSpPr>
+                  <p:cNvPr id="12" name="Ovaal 11">
+                    <a:extLst>
+                      <a:ext uri="{FF2B5EF4-FFF2-40B4-BE49-F238E27FC236}">
+                        <a16:creationId xmlns:a16="http://schemas.microsoft.com/office/drawing/2014/main" id="{F43A4B6A-4EA4-4751-9612-196DE3D53D3D}"/>
+                      </a:ext>
+                    </a:extLst>
+                  </p:cNvPr>
+                  <p:cNvSpPr/>
+                  <p:nvPr/>
+                </p:nvSpPr>
+                <p:spPr>
+                  <a:xfrm>
+                    <a:off x="3509201" y="-512493"/>
+                    <a:ext cx="103517" cy="103517"/>
+                  </a:xfrm>
+                  <a:prstGeom prst="ellipse">
+                    <a:avLst/>
+                  </a:prstGeom>
+                  <a:solidFill>
+                    <a:srgbClr val="6FBCF0"/>
+                  </a:solidFill>
+                  <a:ln>
+                    <a:noFill/>
+                  </a:ln>
+                </p:spPr>
+                <p:style>
+                  <a:lnRef idx="2">
+                    <a:schemeClr val="accent1">
+                      <a:shade val="50000"/>
+                    </a:schemeClr>
+                  </a:lnRef>
+                  <a:fillRef idx="1">
+                    <a:schemeClr val="accent1"/>
+                  </a:fillRef>
+                  <a:effectRef idx="0">
+                    <a:schemeClr val="accent1"/>
+                  </a:effectRef>
+                  <a:fontRef idx="minor">
+                    <a:schemeClr val="lt1"/>
+                  </a:fontRef>
+                </p:style>
+                <p:txBody>
+                  <a:bodyPr rtlCol="0" anchor="ctr"/>
+                  <a:lstStyle/>
+                  <a:p>
+                    <a:pPr algn="ctr"/>
+                    <a:endParaRPr lang="nl-NL"/>
+                  </a:p>
+                </p:txBody>
+              </p:sp>
+              <p:sp>
+                <p:nvSpPr>
+                  <p:cNvPr id="13" name="Tekstvak 12">
+                    <a:extLst>
+                      <a:ext uri="{FF2B5EF4-FFF2-40B4-BE49-F238E27FC236}">
+                        <a16:creationId xmlns:a16="http://schemas.microsoft.com/office/drawing/2014/main" id="{AB380355-AA47-47E4-85EC-C1C1973544AA}"/>
+                      </a:ext>
+                    </a:extLst>
+                  </p:cNvPr>
+                  <p:cNvSpPr txBox="1"/>
+                  <p:nvPr/>
+                </p:nvSpPr>
+                <p:spPr>
+                  <a:xfrm>
+                    <a:off x="3612712" y="-618047"/>
+                    <a:ext cx="705516" cy="296930"/>
+                  </a:xfrm>
+                  <a:prstGeom prst="rect">
+                    <a:avLst/>
+                  </a:prstGeom>
+                  <a:noFill/>
+                </p:spPr>
+                <p:txBody>
+                  <a:bodyPr wrap="none" rtlCol="0">
+                    <a:spAutoFit/>
+                  </a:bodyPr>
+                  <a:lstStyle/>
+                  <a:p>
+                    <a:r>
+                      <a:rPr lang="nl-NL" sz="1400" dirty="0">
+                        <a:latin typeface="Arial" panose="020B0604020202020204" pitchFamily="34" charset="0"/>
+                        <a:ea typeface="Verdana" panose="020B0604030504040204" pitchFamily="34" charset="0"/>
+                        <a:cs typeface="Arial" panose="020B0604020202020204" pitchFamily="34" charset="0"/>
+                      </a:rPr>
+                      <a:t>1.0 g/L</a:t>
+                    </a:r>
+                  </a:p>
+                </p:txBody>
+              </p:sp>
+            </p:grpSp>
+            <p:grpSp>
+              <p:nvGrpSpPr>
+                <p:cNvPr id="14" name="Groep 13">
+                  <a:extLst>
+                    <a:ext uri="{FF2B5EF4-FFF2-40B4-BE49-F238E27FC236}">
+                      <a16:creationId xmlns:a16="http://schemas.microsoft.com/office/drawing/2014/main" id="{E9F63ACE-CFBE-4F41-B2B4-AA4CE10737EE}"/>
+                    </a:ext>
+                  </a:extLst>
+                </p:cNvPr>
+                <p:cNvGrpSpPr/>
+                <p:nvPr/>
+              </p:nvGrpSpPr>
+              <p:grpSpPr>
+                <a:xfrm>
+                  <a:off x="3661601" y="-465647"/>
+                  <a:ext cx="809029" cy="296930"/>
+                  <a:chOff x="3509201" y="-618047"/>
+                  <a:chExt cx="809029" cy="296930"/>
+                </a:xfrm>
+              </p:grpSpPr>
+              <p:sp>
+                <p:nvSpPr>
+                  <p:cNvPr id="15" name="Ovaal 14">
+                    <a:extLst>
+                      <a:ext uri="{FF2B5EF4-FFF2-40B4-BE49-F238E27FC236}">
+                        <a16:creationId xmlns:a16="http://schemas.microsoft.com/office/drawing/2014/main" id="{13D42F20-ED83-45EC-BEF7-98665C2A0CC0}"/>
+                      </a:ext>
+                    </a:extLst>
+                  </p:cNvPr>
+                  <p:cNvSpPr/>
+                  <p:nvPr/>
+                </p:nvSpPr>
+                <p:spPr>
+                  <a:xfrm>
+                    <a:off x="3509201" y="-512493"/>
+                    <a:ext cx="103517" cy="103517"/>
+                  </a:xfrm>
+                  <a:prstGeom prst="ellipse">
+                    <a:avLst/>
+                  </a:prstGeom>
+                  <a:solidFill>
+                    <a:srgbClr val="D27BAB"/>
+                  </a:solidFill>
+                  <a:ln>
+                    <a:noFill/>
+                  </a:ln>
+                </p:spPr>
+                <p:style>
+                  <a:lnRef idx="2">
+                    <a:schemeClr val="accent1">
+                      <a:shade val="50000"/>
+                    </a:schemeClr>
+                  </a:lnRef>
+                  <a:fillRef idx="1">
+                    <a:schemeClr val="accent1"/>
+                  </a:fillRef>
+                  <a:effectRef idx="0">
+                    <a:schemeClr val="accent1"/>
+                  </a:effectRef>
+                  <a:fontRef idx="minor">
+                    <a:schemeClr val="lt1"/>
+                  </a:fontRef>
+                </p:style>
+                <p:txBody>
+                  <a:bodyPr rtlCol="0" anchor="ctr"/>
+                  <a:lstStyle/>
+                  <a:p>
+                    <a:pPr algn="ctr"/>
+                    <a:endParaRPr lang="nl-NL"/>
+                  </a:p>
+                </p:txBody>
+              </p:sp>
+              <p:sp>
+                <p:nvSpPr>
+                  <p:cNvPr id="16" name="Tekstvak 15">
+                    <a:extLst>
+                      <a:ext uri="{FF2B5EF4-FFF2-40B4-BE49-F238E27FC236}">
+                        <a16:creationId xmlns:a16="http://schemas.microsoft.com/office/drawing/2014/main" id="{EF0AF73D-C19F-455D-8D00-EBFD8659497E}"/>
+                      </a:ext>
+                    </a:extLst>
+                  </p:cNvPr>
+                  <p:cNvSpPr txBox="1"/>
+                  <p:nvPr/>
+                </p:nvSpPr>
+                <p:spPr>
+                  <a:xfrm>
+                    <a:off x="3612714" y="-618047"/>
+                    <a:ext cx="705516" cy="296930"/>
+                  </a:xfrm>
+                  <a:prstGeom prst="rect">
+                    <a:avLst/>
+                  </a:prstGeom>
+                  <a:noFill/>
+                </p:spPr>
+                <p:txBody>
+                  <a:bodyPr wrap="none" rtlCol="0">
+                    <a:spAutoFit/>
+                  </a:bodyPr>
+                  <a:lstStyle/>
+                  <a:p>
+                    <a:r>
+                      <a:rPr lang="nl-NL" sz="1400" dirty="0">
+                        <a:latin typeface="Arial" panose="020B0604020202020204" pitchFamily="34" charset="0"/>
+                        <a:ea typeface="Verdana" panose="020B0604030504040204" pitchFamily="34" charset="0"/>
+                        <a:cs typeface="Arial" panose="020B0604020202020204" pitchFamily="34" charset="0"/>
+                      </a:rPr>
+                      <a:t>0.1 g/L</a:t>
+                    </a:r>
+                  </a:p>
+                </p:txBody>
+              </p:sp>
+            </p:grpSp>
+            <p:grpSp>
+              <p:nvGrpSpPr>
+                <p:cNvPr id="20" name="Groep 19">
+                  <a:extLst>
+                    <a:ext uri="{FF2B5EF4-FFF2-40B4-BE49-F238E27FC236}">
+                      <a16:creationId xmlns:a16="http://schemas.microsoft.com/office/drawing/2014/main" id="{E76A2196-37DA-45A6-BBFB-795BBAAF41DC}"/>
+                    </a:ext>
+                  </a:extLst>
+                </p:cNvPr>
+                <p:cNvGrpSpPr/>
+                <p:nvPr/>
+              </p:nvGrpSpPr>
+              <p:grpSpPr>
+                <a:xfrm>
+                  <a:off x="6463603" y="-465647"/>
+                  <a:ext cx="761090" cy="296930"/>
+                  <a:chOff x="3509199" y="-618047"/>
+                  <a:chExt cx="761090" cy="296930"/>
+                </a:xfrm>
+              </p:grpSpPr>
+              <p:sp>
+                <p:nvSpPr>
+                  <p:cNvPr id="21" name="Ovaal 20">
+                    <a:extLst>
+                      <a:ext uri="{FF2B5EF4-FFF2-40B4-BE49-F238E27FC236}">
+                        <a16:creationId xmlns:a16="http://schemas.microsoft.com/office/drawing/2014/main" id="{93E5C273-F8F0-47B6-BE2F-D74D9EF2B7D5}"/>
+                      </a:ext>
+                    </a:extLst>
+                  </p:cNvPr>
+                  <p:cNvSpPr/>
+                  <p:nvPr/>
+                </p:nvSpPr>
+                <p:spPr>
+                  <a:xfrm>
+                    <a:off x="3509199" y="-512493"/>
+                    <a:ext cx="103517" cy="103517"/>
+                  </a:xfrm>
+                  <a:prstGeom prst="ellipse">
+                    <a:avLst/>
+                  </a:prstGeom>
+                  <a:solidFill>
+                    <a:srgbClr val="08A379"/>
+                  </a:solidFill>
+                  <a:ln>
+                    <a:noFill/>
+                  </a:ln>
+                </p:spPr>
+                <p:style>
+                  <a:lnRef idx="2">
+                    <a:schemeClr val="accent1">
+                      <a:shade val="50000"/>
+                    </a:schemeClr>
+                  </a:lnRef>
+                  <a:fillRef idx="1">
+                    <a:schemeClr val="accent1"/>
+                  </a:fillRef>
+                  <a:effectRef idx="0">
+                    <a:schemeClr val="accent1"/>
+                  </a:effectRef>
+                  <a:fontRef idx="minor">
+                    <a:schemeClr val="lt1"/>
+                  </a:fontRef>
+                </p:style>
+                <p:txBody>
+                  <a:bodyPr rtlCol="0" anchor="ctr"/>
+                  <a:lstStyle/>
+                  <a:p>
+                    <a:pPr algn="ctr"/>
+                    <a:endParaRPr lang="nl-NL"/>
+                  </a:p>
+                </p:txBody>
+              </p:sp>
+              <p:sp>
+                <p:nvSpPr>
+                  <p:cNvPr id="22" name="Tekstvak 21">
+                    <a:extLst>
+                      <a:ext uri="{FF2B5EF4-FFF2-40B4-BE49-F238E27FC236}">
+                        <a16:creationId xmlns:a16="http://schemas.microsoft.com/office/drawing/2014/main" id="{254427C0-1CBB-479F-9934-BA4A183EE057}"/>
+                      </a:ext>
+                    </a:extLst>
+                  </p:cNvPr>
+                  <p:cNvSpPr txBox="1"/>
+                  <p:nvPr/>
+                </p:nvSpPr>
+                <p:spPr>
+                  <a:xfrm>
+                    <a:off x="3612714" y="-618047"/>
+                    <a:ext cx="657575" cy="296930"/>
+                  </a:xfrm>
+                  <a:prstGeom prst="rect">
+                    <a:avLst/>
+                  </a:prstGeom>
+                  <a:noFill/>
+                </p:spPr>
+                <p:txBody>
+                  <a:bodyPr wrap="none" rtlCol="0">
+                    <a:spAutoFit/>
+                  </a:bodyPr>
+                  <a:lstStyle/>
+                  <a:p>
+                    <a:r>
+                      <a:rPr lang="nl-NL" sz="1400" dirty="0">
+                        <a:latin typeface="Arial" panose="020B0604020202020204" pitchFamily="34" charset="0"/>
+                        <a:ea typeface="Verdana" panose="020B0604030504040204" pitchFamily="34" charset="0"/>
+                        <a:cs typeface="Arial" panose="020B0604020202020204" pitchFamily="34" charset="0"/>
+                      </a:rPr>
+                      <a:t>10 g/L</a:t>
+                    </a:r>
+                  </a:p>
+                </p:txBody>
+              </p:sp>
+            </p:grpSp>
+          </p:grpSp>
+        </p:grpSp>
+        <p:grpSp>
+          <p:nvGrpSpPr>
+            <p:cNvPr id="25" name="Groep 24">
+              <a:extLst>
+                <a:ext uri="{FF2B5EF4-FFF2-40B4-BE49-F238E27FC236}">
+                  <a16:creationId xmlns:a16="http://schemas.microsoft.com/office/drawing/2014/main" id="{CFECCF96-5F6F-40FE-ACA2-B5A224BCFAE2}"/>
+                </a:ext>
+              </a:extLst>
+            </p:cNvPr>
+            <p:cNvGrpSpPr/>
+            <p:nvPr/>
+          </p:nvGrpSpPr>
+          <p:grpSpPr>
+            <a:xfrm>
+              <a:off x="1570104" y="4692415"/>
+              <a:ext cx="5059181" cy="266011"/>
+              <a:chOff x="4353399" y="5289155"/>
+              <a:chExt cx="5059181" cy="266011"/>
+            </a:xfrm>
+          </p:grpSpPr>
+          <p:sp>
+            <p:nvSpPr>
+              <p:cNvPr id="3" name="Tekstvak 2">
+                <a:extLst>
+                  <a:ext uri="{FF2B5EF4-FFF2-40B4-BE49-F238E27FC236}">
+                    <a16:creationId xmlns:a16="http://schemas.microsoft.com/office/drawing/2014/main" id="{C704E5CB-715E-4719-971A-68906C6DDEDF}"/>
+                  </a:ext>
+                </a:extLst>
+              </p:cNvPr>
+              <p:cNvSpPr txBox="1"/>
+              <p:nvPr/>
+            </p:nvSpPr>
+            <p:spPr>
+              <a:xfrm>
+                <a:off x="4353399" y="5290446"/>
+                <a:ext cx="416382" cy="264720"/>
+              </a:xfrm>
+              <a:prstGeom prst="rect">
+                <a:avLst/>
+              </a:prstGeom>
+              <a:noFill/>
+            </p:spPr>
+            <p:txBody>
+              <a:bodyPr wrap="none" rtlCol="0">
+                <a:spAutoFit/>
+              </a:bodyPr>
+              <a:lstStyle/>
+              <a:p>
+                <a:r>
+                  <a:rPr lang="nl-NL" sz="1600" dirty="0">
+                    <a:latin typeface="Arial" panose="020B0604020202020204" pitchFamily="34" charset="0"/>
+                    <a:cs typeface="Arial" panose="020B0604020202020204" pitchFamily="34" charset="0"/>
+                  </a:rPr>
+                  <a:t>10</a:t>
+                </a:r>
+                <a:r>
+                  <a:rPr lang="nl-NL" sz="1600" baseline="30000" dirty="0">
+                    <a:latin typeface="Arial" panose="020B0604020202020204" pitchFamily="34" charset="0"/>
+                    <a:cs typeface="Arial" panose="020B0604020202020204" pitchFamily="34" charset="0"/>
+                  </a:rPr>
+                  <a:t>-1</a:t>
+                </a:r>
+              </a:p>
+            </p:txBody>
+          </p:sp>
+          <p:sp>
+            <p:nvSpPr>
+              <p:cNvPr id="28" name="Tekstvak 27">
+                <a:extLst>
+                  <a:ext uri="{FF2B5EF4-FFF2-40B4-BE49-F238E27FC236}">
+                    <a16:creationId xmlns:a16="http://schemas.microsoft.com/office/drawing/2014/main" id="{4FC238E7-00E4-48E7-BB5A-11BA822ACF84}"/>
+                  </a:ext>
+                </a:extLst>
+              </p:cNvPr>
+              <p:cNvSpPr txBox="1"/>
+              <p:nvPr/>
+            </p:nvSpPr>
+            <p:spPr>
+              <a:xfrm>
+                <a:off x="5052592" y="5290446"/>
+                <a:ext cx="381287" cy="264720"/>
+              </a:xfrm>
+              <a:prstGeom prst="rect">
+                <a:avLst/>
+              </a:prstGeom>
+              <a:noFill/>
+            </p:spPr>
+            <p:txBody>
+              <a:bodyPr wrap="none" rtlCol="0">
+                <a:spAutoFit/>
+              </a:bodyPr>
+              <a:lstStyle/>
+              <a:p>
+                <a:r>
+                  <a:rPr lang="nl-NL" sz="1600" dirty="0">
+                    <a:latin typeface="Arial" panose="020B0604020202020204" pitchFamily="34" charset="0"/>
+                    <a:cs typeface="Arial" panose="020B0604020202020204" pitchFamily="34" charset="0"/>
+                  </a:rPr>
+                  <a:t>10</a:t>
+                </a:r>
+                <a:r>
+                  <a:rPr lang="nl-NL" sz="1600" baseline="30000" dirty="0">
+                    <a:latin typeface="Arial" panose="020B0604020202020204" pitchFamily="34" charset="0"/>
+                    <a:cs typeface="Arial" panose="020B0604020202020204" pitchFamily="34" charset="0"/>
+                  </a:rPr>
+                  <a:t>0</a:t>
+                </a:r>
+              </a:p>
+            </p:txBody>
+          </p:sp>
+          <p:sp>
+            <p:nvSpPr>
+              <p:cNvPr id="29" name="Tekstvak 28">
+                <a:extLst>
+                  <a:ext uri="{FF2B5EF4-FFF2-40B4-BE49-F238E27FC236}">
+                    <a16:creationId xmlns:a16="http://schemas.microsoft.com/office/drawing/2014/main" id="{1DCD742D-3F68-46C3-9D52-F5DB2F80EEE0}"/>
+                  </a:ext>
+                </a:extLst>
+              </p:cNvPr>
+              <p:cNvSpPr txBox="1"/>
+              <p:nvPr/>
+            </p:nvSpPr>
+            <p:spPr>
+              <a:xfrm>
+                <a:off x="5735842" y="5290446"/>
+                <a:ext cx="322376" cy="264720"/>
+              </a:xfrm>
+              <a:prstGeom prst="rect">
+                <a:avLst/>
+              </a:prstGeom>
+              <a:noFill/>
+            </p:spPr>
+            <p:txBody>
+              <a:bodyPr wrap="none" rtlCol="0">
+                <a:spAutoFit/>
+              </a:bodyPr>
+              <a:lstStyle/>
+              <a:p>
+                <a:r>
+                  <a:rPr lang="nl-NL" sz="1600" dirty="0">
+                    <a:latin typeface="Arial" panose="020B0604020202020204" pitchFamily="34" charset="0"/>
+                    <a:cs typeface="Arial" panose="020B0604020202020204" pitchFamily="34" charset="0"/>
+                  </a:rPr>
+                  <a:t>10</a:t>
+                </a:r>
+                <a:endParaRPr lang="nl-NL" sz="1600" baseline="30000" dirty="0">
+                  <a:latin typeface="Arial" panose="020B0604020202020204" pitchFamily="34" charset="0"/>
+                  <a:cs typeface="Arial" panose="020B0604020202020204" pitchFamily="34" charset="0"/>
+                </a:endParaRPr>
+              </a:p>
+            </p:txBody>
+          </p:sp>
+          <p:sp>
+            <p:nvSpPr>
+              <p:cNvPr id="31" name="Tekstvak 30">
+                <a:extLst>
+                  <a:ext uri="{FF2B5EF4-FFF2-40B4-BE49-F238E27FC236}">
+                    <a16:creationId xmlns:a16="http://schemas.microsoft.com/office/drawing/2014/main" id="{0E809666-D165-4557-BC1D-AA0CE9C33695}"/>
+                  </a:ext>
+                </a:extLst>
+              </p:cNvPr>
+              <p:cNvSpPr txBox="1"/>
+              <p:nvPr/>
+            </p:nvSpPr>
+            <p:spPr>
+              <a:xfrm>
+                <a:off x="6378478" y="5289155"/>
+                <a:ext cx="381287" cy="264719"/>
+              </a:xfrm>
+              <a:prstGeom prst="rect">
+                <a:avLst/>
+              </a:prstGeom>
+              <a:noFill/>
+            </p:spPr>
+            <p:txBody>
+              <a:bodyPr wrap="none" rtlCol="0">
+                <a:spAutoFit/>
+              </a:bodyPr>
+              <a:lstStyle/>
+              <a:p>
+                <a:r>
+                  <a:rPr lang="nl-NL" sz="1600" dirty="0">
+                    <a:latin typeface="Arial" panose="020B0604020202020204" pitchFamily="34" charset="0"/>
+                    <a:cs typeface="Arial" panose="020B0604020202020204" pitchFamily="34" charset="0"/>
+                  </a:rPr>
+                  <a:t>10</a:t>
+                </a:r>
+                <a:r>
+                  <a:rPr lang="nl-NL" sz="1600" baseline="30000" dirty="0">
+                    <a:latin typeface="Arial" panose="020B0604020202020204" pitchFamily="34" charset="0"/>
+                    <a:cs typeface="Arial" panose="020B0604020202020204" pitchFamily="34" charset="0"/>
+                  </a:rPr>
+                  <a:t>2</a:t>
+                </a:r>
+              </a:p>
+            </p:txBody>
+          </p:sp>
+          <p:sp>
+            <p:nvSpPr>
+              <p:cNvPr id="32" name="Tekstvak 31">
+                <a:extLst>
+                  <a:ext uri="{FF2B5EF4-FFF2-40B4-BE49-F238E27FC236}">
+                    <a16:creationId xmlns:a16="http://schemas.microsoft.com/office/drawing/2014/main" id="{96543CB5-9F27-48E8-A6DF-75868B1E4B22}"/>
+                  </a:ext>
+                </a:extLst>
+              </p:cNvPr>
+              <p:cNvSpPr txBox="1"/>
+              <p:nvPr/>
+            </p:nvSpPr>
+            <p:spPr>
+              <a:xfrm>
+                <a:off x="7061728" y="5289155"/>
+                <a:ext cx="381287" cy="264719"/>
+              </a:xfrm>
+              <a:prstGeom prst="rect">
+                <a:avLst/>
+              </a:prstGeom>
+              <a:noFill/>
+            </p:spPr>
+            <p:txBody>
+              <a:bodyPr wrap="none" rtlCol="0">
+                <a:spAutoFit/>
+              </a:bodyPr>
+              <a:lstStyle/>
+              <a:p>
+                <a:r>
+                  <a:rPr lang="nl-NL" sz="1600" dirty="0">
+                    <a:latin typeface="Arial" panose="020B0604020202020204" pitchFamily="34" charset="0"/>
+                    <a:cs typeface="Arial" panose="020B0604020202020204" pitchFamily="34" charset="0"/>
+                  </a:rPr>
+                  <a:t>10</a:t>
+                </a:r>
+                <a:r>
+                  <a:rPr lang="nl-NL" sz="1600" baseline="30000" dirty="0">
+                    <a:latin typeface="Arial" panose="020B0604020202020204" pitchFamily="34" charset="0"/>
+                    <a:cs typeface="Arial" panose="020B0604020202020204" pitchFamily="34" charset="0"/>
+                  </a:rPr>
+                  <a:t>3</a:t>
+                </a:r>
+              </a:p>
+            </p:txBody>
+          </p:sp>
+          <p:sp>
+            <p:nvSpPr>
+              <p:cNvPr id="33" name="Tekstvak 32">
+                <a:extLst>
+                  <a:ext uri="{FF2B5EF4-FFF2-40B4-BE49-F238E27FC236}">
+                    <a16:creationId xmlns:a16="http://schemas.microsoft.com/office/drawing/2014/main" id="{15AB013D-6654-454E-8F88-B26C4D6F2CED}"/>
+                  </a:ext>
+                </a:extLst>
+              </p:cNvPr>
+              <p:cNvSpPr txBox="1"/>
+              <p:nvPr/>
+            </p:nvSpPr>
+            <p:spPr>
+              <a:xfrm>
+                <a:off x="7744977" y="5289155"/>
+                <a:ext cx="381287" cy="264719"/>
+              </a:xfrm>
+              <a:prstGeom prst="rect">
+                <a:avLst/>
+              </a:prstGeom>
+              <a:noFill/>
+            </p:spPr>
+            <p:txBody>
+              <a:bodyPr wrap="none" rtlCol="0">
+                <a:spAutoFit/>
+              </a:bodyPr>
+              <a:lstStyle/>
+              <a:p>
+                <a:r>
+                  <a:rPr lang="nl-NL" sz="1600" dirty="0">
+                    <a:latin typeface="Arial" panose="020B0604020202020204" pitchFamily="34" charset="0"/>
+                    <a:cs typeface="Arial" panose="020B0604020202020204" pitchFamily="34" charset="0"/>
+                  </a:rPr>
+                  <a:t>10</a:t>
+                </a:r>
+                <a:r>
+                  <a:rPr lang="nl-NL" sz="1600" baseline="30000" dirty="0">
+                    <a:latin typeface="Arial" panose="020B0604020202020204" pitchFamily="34" charset="0"/>
+                    <a:cs typeface="Arial" panose="020B0604020202020204" pitchFamily="34" charset="0"/>
+                  </a:rPr>
+                  <a:t>4</a:t>
+                </a:r>
+              </a:p>
+            </p:txBody>
+          </p:sp>
+          <p:sp>
+            <p:nvSpPr>
+              <p:cNvPr id="34" name="Tekstvak 33">
+                <a:extLst>
+                  <a:ext uri="{FF2B5EF4-FFF2-40B4-BE49-F238E27FC236}">
+                    <a16:creationId xmlns:a16="http://schemas.microsoft.com/office/drawing/2014/main" id="{613F4660-DBC9-468B-969D-720C8817FDA1}"/>
+                  </a:ext>
+                </a:extLst>
+              </p:cNvPr>
+              <p:cNvSpPr txBox="1"/>
+              <p:nvPr/>
+            </p:nvSpPr>
+            <p:spPr>
+              <a:xfrm>
+                <a:off x="8348043" y="5289979"/>
+                <a:ext cx="381287" cy="264719"/>
+              </a:xfrm>
+              <a:prstGeom prst="rect">
+                <a:avLst/>
+              </a:prstGeom>
+              <a:noFill/>
+            </p:spPr>
+            <p:txBody>
+              <a:bodyPr wrap="none" rtlCol="0">
+                <a:spAutoFit/>
+              </a:bodyPr>
+              <a:lstStyle/>
+              <a:p>
+                <a:r>
+                  <a:rPr lang="nl-NL" sz="1600" dirty="0">
+                    <a:latin typeface="Arial" panose="020B0604020202020204" pitchFamily="34" charset="0"/>
+                    <a:cs typeface="Arial" panose="020B0604020202020204" pitchFamily="34" charset="0"/>
+                  </a:rPr>
+                  <a:t>10</a:t>
+                </a:r>
+                <a:r>
+                  <a:rPr lang="nl-NL" sz="1600" baseline="30000" dirty="0">
+                    <a:latin typeface="Arial" panose="020B0604020202020204" pitchFamily="34" charset="0"/>
+                    <a:cs typeface="Arial" panose="020B0604020202020204" pitchFamily="34" charset="0"/>
+                  </a:rPr>
+                  <a:t>5</a:t>
+                </a:r>
+              </a:p>
+            </p:txBody>
+          </p:sp>
+          <p:sp>
+            <p:nvSpPr>
+              <p:cNvPr id="35" name="Tekstvak 34">
+                <a:extLst>
+                  <a:ext uri="{FF2B5EF4-FFF2-40B4-BE49-F238E27FC236}">
+                    <a16:creationId xmlns:a16="http://schemas.microsoft.com/office/drawing/2014/main" id="{0F5BD60B-1D93-4C57-817E-3E4DD6F13C7D}"/>
+                  </a:ext>
+                </a:extLst>
+              </p:cNvPr>
+              <p:cNvSpPr txBox="1"/>
+              <p:nvPr/>
+            </p:nvSpPr>
+            <p:spPr>
+              <a:xfrm>
+                <a:off x="9031293" y="5289155"/>
+                <a:ext cx="381287" cy="264719"/>
+              </a:xfrm>
+              <a:prstGeom prst="rect">
+                <a:avLst/>
+              </a:prstGeom>
+              <a:noFill/>
+            </p:spPr>
+            <p:txBody>
+              <a:bodyPr wrap="none" rtlCol="0">
+                <a:spAutoFit/>
+              </a:bodyPr>
+              <a:lstStyle/>
+              <a:p>
+                <a:r>
+                  <a:rPr lang="nl-NL" sz="1600" dirty="0">
+                    <a:latin typeface="Arial" panose="020B0604020202020204" pitchFamily="34" charset="0"/>
+                    <a:cs typeface="Arial" panose="020B0604020202020204" pitchFamily="34" charset="0"/>
+                  </a:rPr>
+                  <a:t>10</a:t>
+                </a:r>
+                <a:r>
+                  <a:rPr lang="nl-NL" sz="1600" baseline="30000" dirty="0">
+                    <a:latin typeface="Arial" panose="020B0604020202020204" pitchFamily="34" charset="0"/>
+                    <a:cs typeface="Arial" panose="020B0604020202020204" pitchFamily="34" charset="0"/>
+                  </a:rPr>
+                  <a:t>6</a:t>
+                </a:r>
+              </a:p>
+            </p:txBody>
+          </p:sp>
+        </p:grpSp>
+        <p:pic>
+          <p:nvPicPr>
+            <p:cNvPr id="1026" name="Picture 2" descr="https://latex.codecogs.com/gif.latex?%5Cdpi%7B300%7D%20%5Clarge%20%5Ctext%7BE%7D%5B%5Ctheta%28t%29%5D%20-%20%5Ctheta%28t%29">
+              <a:extLst>
+                <a:ext uri="{FF2B5EF4-FFF2-40B4-BE49-F238E27FC236}">
+                  <a16:creationId xmlns:a16="http://schemas.microsoft.com/office/drawing/2014/main" id="{28373277-1035-4531-BB5E-8CFFF0A0F968}"/>
+                </a:ext>
+              </a:extLst>
+            </p:cNvPr>
+            <p:cNvPicPr>
+              <a:picLocks noChangeAspect="1" noChangeArrowheads="1"/>
+            </p:cNvPicPr>
+            <p:nvPr/>
+          </p:nvPicPr>
+          <p:blipFill>
+            <a:blip r:embed="rId4">
+              <a:extLst>
+                <a:ext uri="{28A0092B-C50C-407E-A947-70E740481C1C}">
+                  <a14:useLocalDpi xmlns:a14="http://schemas.microsoft.com/office/drawing/2010/main" val="0"/>
+                </a:ext>
+              </a:extLst>
+            </a:blip>
+            <a:srcRect/>
+            <a:stretch>
+              <a:fillRect/>
+            </a:stretch>
+          </p:blipFill>
+          <p:spPr bwMode="auto">
+            <a:xfrm rot="16200000">
+              <a:off x="615986" y="3742455"/>
+              <a:ext cx="1000459" cy="185495"/>
+            </a:xfrm>
+            <a:prstGeom prst="rect">
+              <a:avLst/>
+            </a:prstGeom>
+            <a:noFill/>
+            <a:extLst>
+              <a:ext uri="{909E8E84-426E-40DD-AFC4-6F175D3DCCD1}">
+                <a14:hiddenFill xmlns:a14="http://schemas.microsoft.com/office/drawing/2010/main">
+                  <a:solidFill>
+                    <a:srgbClr val="FFFFFF"/>
+                  </a:solidFill>
+                </a14:hiddenFill>
+              </a:ext>
+            </a:extLst>
+          </p:spPr>
+        </p:pic>
+        <p:pic>
+          <p:nvPicPr>
+            <p:cNvPr id="1028" name="Picture 4" descr="https://latex.codecogs.com/gif.latex?%5Cdpi%7B300%7D%20%5Clarge%20%5Ctheta%28t%29">
+              <a:extLst>
+                <a:ext uri="{FF2B5EF4-FFF2-40B4-BE49-F238E27FC236}">
+                  <a16:creationId xmlns:a16="http://schemas.microsoft.com/office/drawing/2014/main" id="{8099776B-9D5C-4F35-AEE5-ED2B8FF5FC9E}"/>
+                </a:ext>
+              </a:extLst>
+            </p:cNvPr>
+            <p:cNvPicPr>
+              <a:picLocks noChangeAspect="1" noChangeArrowheads="1"/>
+            </p:cNvPicPr>
+            <p:nvPr/>
+          </p:nvPicPr>
+          <p:blipFill>
+            <a:blip r:embed="rId5">
+              <a:extLst>
+                <a:ext uri="{28A0092B-C50C-407E-A947-70E740481C1C}">
+                  <a14:useLocalDpi xmlns:a14="http://schemas.microsoft.com/office/drawing/2010/main" val="0"/>
+                </a:ext>
+              </a:extLst>
+            </a:blip>
+            <a:srcRect/>
+            <a:stretch>
+              <a:fillRect/>
+            </a:stretch>
+          </p:blipFill>
+          <p:spPr bwMode="auto">
+            <a:xfrm>
+              <a:off x="951324" y="1783332"/>
+              <a:ext cx="329784" cy="228600"/>
+            </a:xfrm>
+            <a:prstGeom prst="rect">
+              <a:avLst/>
+            </a:prstGeom>
+            <a:noFill/>
+            <a:extLst>
+              <a:ext uri="{909E8E84-426E-40DD-AFC4-6F175D3DCCD1}">
+                <a14:hiddenFill xmlns:a14="http://schemas.microsoft.com/office/drawing/2010/main">
+                  <a:solidFill>
+                    <a:srgbClr val="FFFFFF"/>
+                  </a:solidFill>
+                </a14:hiddenFill>
+              </a:ext>
+            </a:extLst>
+          </p:spPr>
+        </p:pic>
+        <p:pic>
+          <p:nvPicPr>
+            <p:cNvPr id="18" name="Afbeelding 17">
+              <a:extLst>
+                <a:ext uri="{FF2B5EF4-FFF2-40B4-BE49-F238E27FC236}">
+                  <a16:creationId xmlns:a16="http://schemas.microsoft.com/office/drawing/2014/main" id="{B458671C-90A8-479A-BAA1-B0BCC52A9C91}"/>
+                </a:ext>
+              </a:extLst>
+            </p:cNvPr>
+            <p:cNvPicPr>
+              <a:picLocks noChangeAspect="1"/>
+            </p:cNvPicPr>
+            <p:nvPr/>
+          </p:nvPicPr>
+          <p:blipFill rotWithShape="1">
+            <a:blip r:embed="rId6"/>
+            <a:srcRect b="50000"/>
+            <a:stretch/>
+          </p:blipFill>
+          <p:spPr>
+            <a:xfrm>
+              <a:off x="1281107" y="3006335"/>
+              <a:ext cx="5529083" cy="1657737"/>
+            </a:xfrm>
+            <a:prstGeom prst="rect">
+              <a:avLst/>
+            </a:prstGeom>
+          </p:spPr>
+        </p:pic>
+      </p:grpSp>
+    </p:spTree>
+    <p:extLst>
+      <p:ext uri="{BB962C8B-B14F-4D97-AF65-F5344CB8AC3E}">
+        <p14:creationId xmlns:p14="http://schemas.microsoft.com/office/powerpoint/2010/main" val="4066035309"/>
+      </p:ext>
+    </p:extLst>
+  </p:cSld>
+  <p:clrMapOvr>
+    <a:masterClrMapping/>
+  </p:clrMapOvr>
+</p:sld>
+</file>
+
+<file path=ppt/slides/slide7.xml><?xml version="1.0" encoding="utf-8"?>
+<p:sld xmlns:a="http://schemas.openxmlformats.org/drawingml/2006/main" xmlns:r="http://schemas.openxmlformats.org/officeDocument/2006/relationships" xmlns:p="http://schemas.openxmlformats.org/presentationml/2006/main">
+  <p:cSld>
+    <p:spTree>
+      <p:nvGrpSpPr>
+        <p:cNvPr id="1" name=""/>
+        <p:cNvGrpSpPr/>
+        <p:nvPr/>
+      </p:nvGrpSpPr>
+      <p:grpSpPr>
+        <a:xfrm>
+          <a:off x="0" y="0"/>
+          <a:ext cx="0" cy="0"/>
+          <a:chOff x="0" y="0"/>
+          <a:chExt cx="0" cy="0"/>
+        </a:xfrm>
+      </p:grpSpPr>
+      <p:pic>
+        <p:nvPicPr>
+          <p:cNvPr id="2" name="Afbeelding 1">
+            <a:extLst>
+              <a:ext uri="{FF2B5EF4-FFF2-40B4-BE49-F238E27FC236}">
+                <a16:creationId xmlns:a16="http://schemas.microsoft.com/office/drawing/2014/main" id="{FBCD1788-7660-484C-99A3-B39A2D17BAA2}"/>
+              </a:ext>
+            </a:extLst>
+          </p:cNvPr>
+          <p:cNvPicPr>
+            <a:picLocks noChangeAspect="1"/>
+          </p:cNvPicPr>
+          <p:nvPr/>
+        </p:nvPicPr>
+        <p:blipFill rotWithShape="1">
+          <a:blip r:embed="rId2"/>
+          <a:srcRect l="5104" t="2593" r="33959" b="4259"/>
+          <a:stretch/>
+        </p:blipFill>
+        <p:spPr>
+          <a:xfrm>
+            <a:off x="622300" y="177800"/>
+            <a:ext cx="7429500" cy="6388100"/>
+          </a:xfrm>
+          <a:prstGeom prst="rect">
+            <a:avLst/>
+          </a:prstGeom>
+        </p:spPr>
+      </p:pic>
+    </p:spTree>
+    <p:extLst>
+      <p:ext uri="{BB962C8B-B14F-4D97-AF65-F5344CB8AC3E}">
+        <p14:creationId xmlns:p14="http://schemas.microsoft.com/office/powerpoint/2010/main" val="1620554108"/>
+      </p:ext>
+    </p:extLst>
+  </p:cSld>
+  <p:clrMapOvr>
+    <a:masterClrMapping/>
+  </p:clrMapOvr>
+</p:sld>
+</file>
+
+<file path=ppt/slides/slide8.xml><?xml version="1.0" encoding="utf-8"?>
+<p:sld xmlns:a="http://schemas.openxmlformats.org/drawingml/2006/main" xmlns:r="http://schemas.openxmlformats.org/officeDocument/2006/relationships" xmlns:p="http://schemas.openxmlformats.org/presentationml/2006/main">
+  <p:cSld>
+    <p:spTree>
+      <p:nvGrpSpPr>
+        <p:cNvPr id="1" name=""/>
+        <p:cNvGrpSpPr/>
+        <p:nvPr/>
+      </p:nvGrpSpPr>
+      <p:grpSpPr>
+        <a:xfrm>
+          <a:off x="0" y="0"/>
+          <a:ext cx="0" cy="0"/>
+          <a:chOff x="0" y="0"/>
+          <a:chExt cx="0" cy="0"/>
+        </a:xfrm>
+      </p:grpSpPr>
+      <p:grpSp>
+        <p:nvGrpSpPr>
+          <p:cNvPr id="6" name="Groep 5">
+            <a:extLst>
+              <a:ext uri="{FF2B5EF4-FFF2-40B4-BE49-F238E27FC236}">
+                <a16:creationId xmlns:a16="http://schemas.microsoft.com/office/drawing/2014/main" id="{7233CA12-4BDF-4C30-97C2-B52291D1A062}"/>
+              </a:ext>
+            </a:extLst>
+          </p:cNvPr>
+          <p:cNvGrpSpPr/>
+          <p:nvPr/>
+        </p:nvGrpSpPr>
+        <p:grpSpPr>
+          <a:xfrm>
+            <a:off x="1074714" y="1337976"/>
+            <a:ext cx="4791730" cy="2500599"/>
+            <a:chOff x="1074714" y="1337976"/>
+            <a:chExt cx="4791730" cy="2500599"/>
+          </a:xfrm>
+        </p:grpSpPr>
+        <p:pic>
+          <p:nvPicPr>
+            <p:cNvPr id="3" name="Afbeelding 2">
+              <a:extLst>
+                <a:ext uri="{FF2B5EF4-FFF2-40B4-BE49-F238E27FC236}">
+                  <a16:creationId xmlns:a16="http://schemas.microsoft.com/office/drawing/2014/main" id="{08D1A728-19E5-45D2-B5B4-07BA4CA53076}"/>
+                </a:ext>
+              </a:extLst>
+            </p:cNvPr>
+            <p:cNvPicPr>
+              <a:picLocks noChangeAspect="1"/>
+            </p:cNvPicPr>
+            <p:nvPr/>
+          </p:nvPicPr>
+          <p:blipFill>
+            <a:blip r:embed="rId2"/>
+            <a:stretch>
+              <a:fillRect/>
+            </a:stretch>
+          </p:blipFill>
+          <p:spPr>
+            <a:xfrm>
+              <a:off x="1544005" y="1337976"/>
+              <a:ext cx="4322439" cy="2200847"/>
+            </a:xfrm>
+            <a:prstGeom prst="rect">
+              <a:avLst/>
+            </a:prstGeom>
+          </p:spPr>
+        </p:pic>
+        <p:pic>
+          <p:nvPicPr>
+            <p:cNvPr id="2050" name="Picture 2" descr="https://latex.codecogs.com/gif.latex?%5Cdpi%7B300%7D%20%5Chuge%20%5Cgamma%20%5C%3B%20%5B%5Ctext%7BNm%7D%5E%7B-1%7D%5D">
+              <a:extLst>
+                <a:ext uri="{FF2B5EF4-FFF2-40B4-BE49-F238E27FC236}">
+                  <a16:creationId xmlns:a16="http://schemas.microsoft.com/office/drawing/2014/main" id="{50403B16-BD0B-4DB8-BF72-F7D2BA2D3B4A}"/>
+                </a:ext>
+              </a:extLst>
+            </p:cNvPr>
+            <p:cNvPicPr>
+              <a:picLocks noChangeAspect="1" noChangeArrowheads="1"/>
+            </p:cNvPicPr>
+            <p:nvPr/>
+          </p:nvPicPr>
+          <p:blipFill>
+            <a:blip r:embed="rId3">
+              <a:extLst>
+                <a:ext uri="{28A0092B-C50C-407E-A947-70E740481C1C}">
+                  <a14:useLocalDpi xmlns:a14="http://schemas.microsoft.com/office/drawing/2010/main" val="0"/>
+                </a:ext>
+              </a:extLst>
+            </a:blip>
+            <a:srcRect/>
+            <a:stretch>
+              <a:fillRect/>
+            </a:stretch>
+          </p:blipFill>
+          <p:spPr bwMode="auto">
+            <a:xfrm>
+              <a:off x="3242406" y="3538823"/>
+              <a:ext cx="925635" cy="299752"/>
+            </a:xfrm>
+            <a:prstGeom prst="rect">
+              <a:avLst/>
+            </a:prstGeom>
+            <a:noFill/>
+            <a:extLst>
+              <a:ext uri="{909E8E84-426E-40DD-AFC4-6F175D3DCCD1}">
+                <a14:hiddenFill xmlns:a14="http://schemas.microsoft.com/office/drawing/2010/main">
+                  <a:solidFill>
+                    <a:srgbClr val="FFFFFF"/>
+                  </a:solidFill>
+                </a14:hiddenFill>
+              </a:ext>
+            </a:extLst>
+          </p:spPr>
+        </p:pic>
+        <p:cxnSp>
+          <p:nvCxnSpPr>
+            <p:cNvPr id="5" name="Rechte verbindingslijn 4">
+              <a:extLst>
+                <a:ext uri="{FF2B5EF4-FFF2-40B4-BE49-F238E27FC236}">
+                  <a16:creationId xmlns:a16="http://schemas.microsoft.com/office/drawing/2014/main" id="{FCA5592C-3C9E-4CD4-97E1-38E844B0802B}"/>
+                </a:ext>
+              </a:extLst>
+            </p:cNvPr>
+            <p:cNvCxnSpPr/>
+            <p:nvPr/>
+          </p:nvCxnSpPr>
+          <p:spPr>
+            <a:xfrm flipV="1">
+              <a:off x="4084427" y="1457325"/>
+              <a:ext cx="0" cy="1638300"/>
+            </a:xfrm>
+            <a:prstGeom prst="line">
+              <a:avLst/>
+            </a:prstGeom>
+            <a:ln w="19050">
+              <a:solidFill>
+                <a:schemeClr val="tx1"/>
+              </a:solidFill>
+              <a:prstDash val="sysDot"/>
+            </a:ln>
+          </p:spPr>
+          <p:style>
+            <a:lnRef idx="1">
+              <a:schemeClr val="dk1"/>
+            </a:lnRef>
+            <a:fillRef idx="0">
+              <a:schemeClr val="dk1"/>
+            </a:fillRef>
+            <a:effectRef idx="0">
+              <a:schemeClr val="dk1"/>
+            </a:effectRef>
+            <a:fontRef idx="minor">
+              <a:schemeClr val="tx1"/>
+            </a:fontRef>
+          </p:style>
+        </p:cxnSp>
+        <p:pic>
+          <p:nvPicPr>
+            <p:cNvPr id="2052" name="Picture 4" descr="https://latex.codecogs.com/gif.latex?%5Cdpi%7B300%7D%20%5Chuge%20%5Ctext%7BP%7D%28%5Cgamma%29">
+              <a:extLst>
+                <a:ext uri="{FF2B5EF4-FFF2-40B4-BE49-F238E27FC236}">
+                  <a16:creationId xmlns:a16="http://schemas.microsoft.com/office/drawing/2014/main" id="{CBBAB3A7-C3F6-47E7-A4E1-48AB43A9BD94}"/>
+                </a:ext>
+              </a:extLst>
+            </p:cNvPr>
+            <p:cNvPicPr>
+              <a:picLocks noChangeAspect="1" noChangeArrowheads="1"/>
+            </p:cNvPicPr>
+            <p:nvPr/>
+          </p:nvPicPr>
+          <p:blipFill>
+            <a:blip r:embed="rId4">
+              <a:extLst>
+                <a:ext uri="{28A0092B-C50C-407E-A947-70E740481C1C}">
+                  <a14:useLocalDpi xmlns:a14="http://schemas.microsoft.com/office/drawing/2010/main" val="0"/>
+                </a:ext>
+              </a:extLst>
+            </a:blip>
+            <a:srcRect/>
+            <a:stretch>
+              <a:fillRect/>
+            </a:stretch>
+          </p:blipFill>
+          <p:spPr bwMode="auto">
+            <a:xfrm>
+              <a:off x="1074714" y="2143124"/>
+              <a:ext cx="469291" cy="266701"/>
+            </a:xfrm>
+            <a:prstGeom prst="rect">
+              <a:avLst/>
+            </a:prstGeom>
+            <a:noFill/>
+            <a:extLst>
+              <a:ext uri="{909E8E84-426E-40DD-AFC4-6F175D3DCCD1}">
+                <a14:hiddenFill xmlns:a14="http://schemas.microsoft.com/office/drawing/2010/main">
+                  <a:solidFill>
+                    <a:srgbClr val="FFFFFF"/>
+                  </a:solidFill>
+                </a14:hiddenFill>
+              </a:ext>
+            </a:extLst>
+          </p:spPr>
+        </p:pic>
+      </p:grpSp>
+      <p:sp>
+        <p:nvSpPr>
+          <p:cNvPr id="7" name="Tekstvak 6">
+            <a:extLst>
+              <a:ext uri="{FF2B5EF4-FFF2-40B4-BE49-F238E27FC236}">
+                <a16:creationId xmlns:a16="http://schemas.microsoft.com/office/drawing/2014/main" id="{B8449BA0-E173-4AB8-B0EE-C46F58995528}"/>
+              </a:ext>
+            </a:extLst>
+          </p:cNvPr>
+          <p:cNvSpPr txBox="1"/>
+          <p:nvPr/>
+        </p:nvSpPr>
+        <p:spPr>
+          <a:xfrm>
+            <a:off x="2458528" y="4281773"/>
+            <a:ext cx="2868093" cy="369332"/>
+          </a:xfrm>
+          <a:prstGeom prst="rect">
+            <a:avLst/>
+          </a:prstGeom>
+          <a:noFill/>
+        </p:spPr>
+        <p:txBody>
+          <a:bodyPr wrap="none" rtlCol="0">
+            <a:spAutoFit/>
+          </a:bodyPr>
+          <a:lstStyle/>
+          <a:p>
+            <a:r>
+              <a:rPr lang="nl-NL" dirty="0"/>
+              <a:t>0.06945134 +- 0.006172888</a:t>
+            </a:r>
+          </a:p>
+        </p:txBody>
+      </p:sp>
+    </p:spTree>
+    <p:extLst>
+      <p:ext uri="{BB962C8B-B14F-4D97-AF65-F5344CB8AC3E}">
+        <p14:creationId xmlns:p14="http://schemas.microsoft.com/office/powerpoint/2010/main" val="2413397622"/>
       </p:ext>
     </p:extLst>
   </p:cSld>
